--- a/trunk/PP for status.pptx
+++ b/trunk/PP for status.pptx
@@ -298,6 +298,7 @@
           <a:p>
             <a:fld id="{32C8CC70-CFD8-486E-993B-1DD24411B2F4}" type="datetimeFigureOut">
               <a:rPr lang="da-DK" smtClean="0"/>
+              <a:pPr/>
               <a:t>30-03-2012</a:t>
             </a:fld>
             <a:endParaRPr lang="da-DK" dirty="0"/>
@@ -340,6 +341,7 @@
           <a:p>
             <a:fld id="{7D661DEA-B7EC-46AE-A3F9-A4DDF5226607}" type="slidenum">
               <a:rPr lang="da-DK" smtClean="0"/>
+              <a:pPr/>
               <a:t>‹nr.›</a:t>
             </a:fld>
             <a:endParaRPr lang="da-DK" dirty="0"/>
@@ -463,6 +465,7 @@
           <a:p>
             <a:fld id="{32C8CC70-CFD8-486E-993B-1DD24411B2F4}" type="datetimeFigureOut">
               <a:rPr lang="da-DK" smtClean="0"/>
+              <a:pPr/>
               <a:t>30-03-2012</a:t>
             </a:fld>
             <a:endParaRPr lang="da-DK" dirty="0"/>
@@ -505,6 +508,7 @@
           <a:p>
             <a:fld id="{7D661DEA-B7EC-46AE-A3F9-A4DDF5226607}" type="slidenum">
               <a:rPr lang="da-DK" smtClean="0"/>
+              <a:pPr/>
               <a:t>‹nr.›</a:t>
             </a:fld>
             <a:endParaRPr lang="da-DK" dirty="0"/>
@@ -638,6 +642,7 @@
           <a:p>
             <a:fld id="{32C8CC70-CFD8-486E-993B-1DD24411B2F4}" type="datetimeFigureOut">
               <a:rPr lang="da-DK" smtClean="0"/>
+              <a:pPr/>
               <a:t>30-03-2012</a:t>
             </a:fld>
             <a:endParaRPr lang="da-DK" dirty="0"/>
@@ -680,6 +685,7 @@
           <a:p>
             <a:fld id="{7D661DEA-B7EC-46AE-A3F9-A4DDF5226607}" type="slidenum">
               <a:rPr lang="da-DK" smtClean="0"/>
+              <a:pPr/>
               <a:t>‹nr.›</a:t>
             </a:fld>
             <a:endParaRPr lang="da-DK" dirty="0"/>
@@ -803,6 +809,7 @@
           <a:p>
             <a:fld id="{32C8CC70-CFD8-486E-993B-1DD24411B2F4}" type="datetimeFigureOut">
               <a:rPr lang="da-DK" smtClean="0"/>
+              <a:pPr/>
               <a:t>30-03-2012</a:t>
             </a:fld>
             <a:endParaRPr lang="da-DK" dirty="0"/>
@@ -845,6 +852,7 @@
           <a:p>
             <a:fld id="{7D661DEA-B7EC-46AE-A3F9-A4DDF5226607}" type="slidenum">
               <a:rPr lang="da-DK" smtClean="0"/>
+              <a:pPr/>
               <a:t>‹nr.›</a:t>
             </a:fld>
             <a:endParaRPr lang="da-DK" dirty="0"/>
@@ -1044,6 +1052,7 @@
           <a:p>
             <a:fld id="{32C8CC70-CFD8-486E-993B-1DD24411B2F4}" type="datetimeFigureOut">
               <a:rPr lang="da-DK" smtClean="0"/>
+              <a:pPr/>
               <a:t>30-03-2012</a:t>
             </a:fld>
             <a:endParaRPr lang="da-DK" dirty="0"/>
@@ -1086,6 +1095,7 @@
           <a:p>
             <a:fld id="{7D661DEA-B7EC-46AE-A3F9-A4DDF5226607}" type="slidenum">
               <a:rPr lang="da-DK" smtClean="0"/>
+              <a:pPr/>
               <a:t>‹nr.›</a:t>
             </a:fld>
             <a:endParaRPr lang="da-DK" dirty="0"/>
@@ -1327,6 +1337,7 @@
           <a:p>
             <a:fld id="{32C8CC70-CFD8-486E-993B-1DD24411B2F4}" type="datetimeFigureOut">
               <a:rPr lang="da-DK" smtClean="0"/>
+              <a:pPr/>
               <a:t>30-03-2012</a:t>
             </a:fld>
             <a:endParaRPr lang="da-DK" dirty="0"/>
@@ -1369,6 +1380,7 @@
           <a:p>
             <a:fld id="{7D661DEA-B7EC-46AE-A3F9-A4DDF5226607}" type="slidenum">
               <a:rPr lang="da-DK" smtClean="0"/>
+              <a:pPr/>
               <a:t>‹nr.›</a:t>
             </a:fld>
             <a:endParaRPr lang="da-DK" dirty="0"/>
@@ -1744,6 +1756,7 @@
           <a:p>
             <a:fld id="{32C8CC70-CFD8-486E-993B-1DD24411B2F4}" type="datetimeFigureOut">
               <a:rPr lang="da-DK" smtClean="0"/>
+              <a:pPr/>
               <a:t>30-03-2012</a:t>
             </a:fld>
             <a:endParaRPr lang="da-DK" dirty="0"/>
@@ -1786,6 +1799,7 @@
           <a:p>
             <a:fld id="{7D661DEA-B7EC-46AE-A3F9-A4DDF5226607}" type="slidenum">
               <a:rPr lang="da-DK" smtClean="0"/>
+              <a:pPr/>
               <a:t>‹nr.›</a:t>
             </a:fld>
             <a:endParaRPr lang="da-DK" dirty="0"/>
@@ -1857,6 +1871,7 @@
           <a:p>
             <a:fld id="{32C8CC70-CFD8-486E-993B-1DD24411B2F4}" type="datetimeFigureOut">
               <a:rPr lang="da-DK" smtClean="0"/>
+              <a:pPr/>
               <a:t>30-03-2012</a:t>
             </a:fld>
             <a:endParaRPr lang="da-DK" dirty="0"/>
@@ -1899,6 +1914,7 @@
           <a:p>
             <a:fld id="{7D661DEA-B7EC-46AE-A3F9-A4DDF5226607}" type="slidenum">
               <a:rPr lang="da-DK" smtClean="0"/>
+              <a:pPr/>
               <a:t>‹nr.›</a:t>
             </a:fld>
             <a:endParaRPr lang="da-DK" dirty="0"/>
@@ -1947,6 +1963,7 @@
           <a:p>
             <a:fld id="{32C8CC70-CFD8-486E-993B-1DD24411B2F4}" type="datetimeFigureOut">
               <a:rPr lang="da-DK" smtClean="0"/>
+              <a:pPr/>
               <a:t>30-03-2012</a:t>
             </a:fld>
             <a:endParaRPr lang="da-DK" dirty="0"/>
@@ -1989,6 +2006,7 @@
           <a:p>
             <a:fld id="{7D661DEA-B7EC-46AE-A3F9-A4DDF5226607}" type="slidenum">
               <a:rPr lang="da-DK" smtClean="0"/>
+              <a:pPr/>
               <a:t>‹nr.›</a:t>
             </a:fld>
             <a:endParaRPr lang="da-DK" dirty="0"/>
@@ -2219,6 +2237,7 @@
           <a:p>
             <a:fld id="{32C8CC70-CFD8-486E-993B-1DD24411B2F4}" type="datetimeFigureOut">
               <a:rPr lang="da-DK" smtClean="0"/>
+              <a:pPr/>
               <a:t>30-03-2012</a:t>
             </a:fld>
             <a:endParaRPr lang="da-DK" dirty="0"/>
@@ -2261,6 +2280,7 @@
           <a:p>
             <a:fld id="{7D661DEA-B7EC-46AE-A3F9-A4DDF5226607}" type="slidenum">
               <a:rPr lang="da-DK" smtClean="0"/>
+              <a:pPr/>
               <a:t>‹nr.›</a:t>
             </a:fld>
             <a:endParaRPr lang="da-DK" dirty="0"/>
@@ -2467,6 +2487,7 @@
           <a:p>
             <a:fld id="{32C8CC70-CFD8-486E-993B-1DD24411B2F4}" type="datetimeFigureOut">
               <a:rPr lang="da-DK" smtClean="0"/>
+              <a:pPr/>
               <a:t>30-03-2012</a:t>
             </a:fld>
             <a:endParaRPr lang="da-DK" dirty="0"/>
@@ -2509,6 +2530,7 @@
           <a:p>
             <a:fld id="{7D661DEA-B7EC-46AE-A3F9-A4DDF5226607}" type="slidenum">
               <a:rPr lang="da-DK" smtClean="0"/>
+              <a:pPr/>
               <a:t>‹nr.›</a:t>
             </a:fld>
             <a:endParaRPr lang="da-DK" dirty="0"/>
@@ -2675,6 +2697,7 @@
           <a:p>
             <a:fld id="{32C8CC70-CFD8-486E-993B-1DD24411B2F4}" type="datetimeFigureOut">
               <a:rPr lang="da-DK" smtClean="0"/>
+              <a:pPr/>
               <a:t>30-03-2012</a:t>
             </a:fld>
             <a:endParaRPr lang="da-DK" dirty="0"/>
@@ -2753,6 +2776,7 @@
           <a:p>
             <a:fld id="{7D661DEA-B7EC-46AE-A3F9-A4DDF5226607}" type="slidenum">
               <a:rPr lang="da-DK" smtClean="0"/>
+              <a:pPr/>
               <a:t>‹nr.›</a:t>
             </a:fld>
             <a:endParaRPr lang="da-DK" dirty="0"/>
@@ -3045,6 +3069,32 @@
           <a:chExt cx="0" cy="0"/>
         </a:xfrm>
       </p:grpSpPr>
+      <p:pic>
+        <p:nvPicPr>
+          <p:cNvPr id="1026" name="Picture 2" descr="C:\Users\Aleksander\Desktop\luggage.jpg"/>
+          <p:cNvPicPr>
+            <a:picLocks noChangeAspect="1" noChangeArrowheads="1"/>
+          </p:cNvPicPr>
+          <p:nvPr/>
+        </p:nvPicPr>
+        <p:blipFill>
+          <a:blip r:embed="rId2" cstate="print"/>
+          <a:srcRect/>
+          <a:stretch>
+            <a:fillRect/>
+          </a:stretch>
+        </p:blipFill>
+        <p:spPr bwMode="auto">
+          <a:xfrm>
+            <a:off x="1331640" y="1196752"/>
+            <a:ext cx="6578600" cy="4419600"/>
+          </a:xfrm>
+          <a:prstGeom prst="rect">
+            <a:avLst/>
+          </a:prstGeom>
+          <a:noFill/>
+        </p:spPr>
+      </p:pic>
       <p:sp>
         <p:nvSpPr>
           <p:cNvPr id="2" name="Titel 1"/>
@@ -3091,17 +3141,39 @@
         </p:nvSpPr>
         <p:spPr>
           <a:xfrm>
-            <a:off x="2411760" y="5373216"/>
-            <a:ext cx="6400800" cy="1752600"/>
+            <a:off x="323528" y="5373216"/>
+            <a:ext cx="8489032" cy="1752600"/>
           </a:xfrm>
         </p:spPr>
         <p:txBody>
-          <a:bodyPr/>
-          <a:lstStyle/>
-          <a:p>
-            <a:r>
-              <a:rPr lang="en-US" dirty="0" smtClean="0"/>
-              <a:t>Group 130: Christian, Kasper, Dag, </a:t>
+          <a:bodyPr>
+            <a:normAutofit fontScale="92500"/>
+          </a:bodyPr>
+          <a:lstStyle/>
+          <a:p>
+            <a:r>
+              <a:rPr lang="en-US" dirty="0" smtClean="0"/>
+              <a:t>Group 130: </a:t>
+            </a:r>
+            <a:r>
+              <a:rPr lang="en-US" dirty="0" smtClean="0"/>
+              <a:t>Christian </a:t>
+            </a:r>
+            <a:r>
+              <a:rPr lang="en-US" dirty="0" err="1" smtClean="0"/>
+              <a:t>O’keeffe</a:t>
+            </a:r>
+            <a:r>
+              <a:rPr lang="en-US" dirty="0" smtClean="0"/>
+              <a:t>, Kasper </a:t>
+            </a:r>
+            <a:r>
+              <a:rPr lang="en-US" dirty="0" err="1" smtClean="0"/>
+              <a:t>Plejdrup</a:t>
+            </a:r>
+            <a:r>
+              <a:rPr lang="en-US" dirty="0" smtClean="0"/>
+              <a:t>, Dag Pedersen, </a:t>
             </a:r>
             <a:r>
               <a:rPr lang="en-US" dirty="0" err="1" smtClean="0"/>
@@ -3109,6 +3181,18 @@
             </a:r>
             <a:r>
               <a:rPr lang="en-US" dirty="0" smtClean="0"/>
+              <a:t> </a:t>
+            </a:r>
+            <a:r>
+              <a:rPr lang="en-US" dirty="0" err="1" smtClean="0"/>
+              <a:t>Brømdu</a:t>
+            </a:r>
+            <a:r>
+              <a:rPr lang="en-US" dirty="0" err="1" smtClean="0"/>
+              <a:t>m</a:t>
+            </a:r>
+            <a:r>
+              <a:rPr lang="en-US" dirty="0" smtClean="0"/>
               <a:t>, </a:t>
             </a:r>
             <a:r>
@@ -3117,6 +3201,14 @@
             </a:r>
             <a:r>
               <a:rPr lang="en-US" dirty="0" smtClean="0"/>
+              <a:t> </a:t>
+            </a:r>
+            <a:r>
+              <a:rPr lang="en-US" dirty="0" err="1" smtClean="0"/>
+              <a:t>Gadensgaard</a:t>
+            </a:r>
+            <a:r>
+              <a:rPr lang="en-US" dirty="0" smtClean="0"/>
               <a:t>, </a:t>
             </a:r>
             <a:r>
@@ -3124,8 +3216,8 @@
               <a:t>Mette</a:t>
             </a:r>
             <a:r>
-              <a:rPr lang="en-US" dirty="0"/>
-              <a:t> </a:t>
+              <a:rPr lang="en-US" dirty="0" smtClean="0"/>
+              <a:t> Thomsen </a:t>
             </a:r>
             <a:r>
               <a:rPr lang="en-US" dirty="0" smtClean="0"/>
@@ -3134,6 +3226,44 @@
             <a:r>
               <a:rPr lang="en-US" dirty="0" err="1" smtClean="0"/>
               <a:t>Aleksander</a:t>
+            </a:r>
+            <a:r>
+              <a:rPr lang="en-US" dirty="0" smtClean="0"/>
+              <a:t> Nilsson</a:t>
+            </a:r>
+            <a:endParaRPr lang="en-US" dirty="0"/>
+          </a:p>
+        </p:txBody>
+      </p:sp>
+      <p:sp>
+        <p:nvSpPr>
+          <p:cNvPr id="5" name="Tekstboks 4"/>
+          <p:cNvSpPr txBox="1"/>
+          <p:nvPr/>
+        </p:nvSpPr>
+        <p:spPr>
+          <a:xfrm>
+            <a:off x="4427984" y="5013176"/>
+            <a:ext cx="3096344" cy="369332"/>
+          </a:xfrm>
+          <a:prstGeom prst="rect">
+            <a:avLst/>
+          </a:prstGeom>
+          <a:noFill/>
+        </p:spPr>
+        <p:txBody>
+          <a:bodyPr wrap="square" rtlCol="0">
+            <a:spAutoFit/>
+          </a:bodyPr>
+          <a:lstStyle/>
+          <a:p>
+            <a:r>
+              <a:rPr lang="en-US" smtClean="0"/>
+              <a:t>The picture’s </a:t>
+            </a:r>
+            <a:r>
+              <a:rPr lang="en-US" dirty="0" smtClean="0"/>
+              <a:t>source[1]</a:t>
             </a:r>
             <a:endParaRPr lang="en-US" dirty="0"/>
           </a:p>
@@ -3277,7 +3407,11 @@
           <a:p>
             <a:r>
               <a:rPr lang="en-US" dirty="0" smtClean="0"/>
-              <a:t>Thanks for your time</a:t>
+              <a:t>Thanks </a:t>
+            </a:r>
+            <a:r>
+              <a:rPr lang="en-US" dirty="0" smtClean="0"/>
+              <a:t>for your time</a:t>
             </a:r>
             <a:endParaRPr lang="en-US" dirty="0"/>
           </a:p>
@@ -3300,7 +3434,33 @@
           <a:p>
             <a:r>
               <a:rPr lang="en-US" dirty="0" smtClean="0"/>
-              <a:t>Source[1]: http://www.cs.arizona.edu/icon/oddsends/bpack/bpack.htm</a:t>
+              <a:t>Source[1</a:t>
+            </a:r>
+            <a:r>
+              <a:rPr lang="en-US" dirty="0" smtClean="0"/>
+              <a:t>]:</a:t>
+            </a:r>
+            <a:br>
+              <a:rPr lang="en-US" dirty="0" smtClean="0"/>
+            </a:br>
+            <a:r>
+              <a:rPr lang="en-US" dirty="0" smtClean="0"/>
+              <a:t>http</a:t>
+            </a:r>
+            <a:r>
+              <a:rPr lang="en-US" dirty="0" smtClean="0"/>
+              <a:t>://thewedordeadwager.files.wordpress.com/2011/03/luggage.jpg</a:t>
+            </a:r>
+            <a:endParaRPr lang="en-US" dirty="0" smtClean="0"/>
+          </a:p>
+          <a:p>
+            <a:r>
+              <a:rPr lang="en-US" dirty="0" smtClean="0"/>
+              <a:t>Source[2]: </a:t>
+            </a:r>
+            <a:r>
+              <a:rPr lang="en-US" dirty="0" smtClean="0"/>
+              <a:t>http://www.cs.arizona.edu/icon/oddsends/bpack/bpack.htm</a:t>
             </a:r>
             <a:endParaRPr lang="en-US" dirty="0"/>
           </a:p>
@@ -3856,7 +4016,11 @@
           <a:p>
             <a:r>
               <a:rPr lang="en-US" dirty="0" smtClean="0"/>
-              <a:t>Figure 1:  Representing an unsorted luggage list , source [1]</a:t>
+              <a:t>Figure 1:  Representing an unsorted luggage list , source </a:t>
+            </a:r>
+            <a:r>
+              <a:rPr lang="en-US" dirty="0" smtClean="0"/>
+              <a:t>[2]</a:t>
             </a:r>
             <a:endParaRPr lang="en-US" dirty="0"/>
           </a:p>
@@ -4041,7 +4205,11 @@
           <a:p>
             <a:r>
               <a:rPr lang="en-US" dirty="0" smtClean="0"/>
-              <a:t>Figure 2: Representing the first fit (FF) algorithm, source [1]</a:t>
+              <a:t>Figure 2: Representing the first fit (FF) algorithm, source </a:t>
+            </a:r>
+            <a:r>
+              <a:rPr lang="en-US" dirty="0" smtClean="0"/>
+              <a:t>[2]</a:t>
             </a:r>
             <a:endParaRPr lang="en-US" dirty="0"/>
           </a:p>
@@ -4071,7 +4239,19 @@
           <a:p>
             <a:r>
               <a:rPr lang="en-US" dirty="0" smtClean="0"/>
-              <a:t>Figure 3: Representing the best fit (BF) algorithm, source [1]</a:t>
+              <a:t>Figure 3: Representing the best fit (BF) algorithm, source </a:t>
+            </a:r>
+            <a:r>
+              <a:rPr lang="en-US" dirty="0" smtClean="0"/>
+              <a:t>[</a:t>
+            </a:r>
+            <a:r>
+              <a:rPr lang="en-US" dirty="0" smtClean="0"/>
+              <a:t>2</a:t>
+            </a:r>
+            <a:r>
+              <a:rPr lang="en-US" dirty="0" smtClean="0"/>
+              <a:t>]</a:t>
             </a:r>
             <a:endParaRPr lang="en-US" dirty="0"/>
           </a:p>

--- a/trunk/PP for status.pptx
+++ b/trunk/PP for status.pptx
@@ -3153,11 +3153,7 @@
           <a:p>
             <a:r>
               <a:rPr lang="en-US" dirty="0" smtClean="0"/>
-              <a:t>Group 130: </a:t>
-            </a:r>
-            <a:r>
-              <a:rPr lang="en-US" dirty="0" smtClean="0"/>
-              <a:t>Christian </a:t>
+              <a:t>Group 130: Christian </a:t>
             </a:r>
             <a:r>
               <a:rPr lang="en-US" dirty="0" err="1" smtClean="0"/>
@@ -3185,11 +3181,7 @@
             </a:r>
             <a:r>
               <a:rPr lang="en-US" dirty="0" err="1" smtClean="0"/>
-              <a:t>Brømdu</a:t>
-            </a:r>
-            <a:r>
-              <a:rPr lang="en-US" dirty="0" err="1" smtClean="0"/>
-              <a:t>m</a:t>
+              <a:t>Brømdum</a:t>
             </a:r>
             <a:r>
               <a:rPr lang="en-US" dirty="0" smtClean="0"/>
@@ -3217,11 +3209,7 @@
             </a:r>
             <a:r>
               <a:rPr lang="en-US" dirty="0" smtClean="0"/>
-              <a:t> Thomsen </a:t>
-            </a:r>
-            <a:r>
-              <a:rPr lang="en-US" dirty="0" smtClean="0"/>
-              <a:t>and </a:t>
+              <a:t> Thomsen and </a:t>
             </a:r>
             <a:r>
               <a:rPr lang="en-US" dirty="0" err="1" smtClean="0"/>
@@ -3370,6 +3358,13 @@
   <p:clrMapOvr>
     <a:masterClrMapping/>
   </p:clrMapOvr>
+  <p:timing>
+    <p:tnLst>
+      <p:par>
+        <p:cTn id="1" dur="indefinite" restart="never" nodeType="tmRoot"/>
+      </p:par>
+    </p:tnLst>
+  </p:timing>
 </p:sld>
 </file>
 
@@ -3406,8 +3401,8 @@
           <a:lstStyle/>
           <a:p>
             <a:r>
-              <a:rPr lang="en-US" dirty="0" smtClean="0"/>
-              <a:t>Thanks </a:t>
+              <a:rPr lang="en-US" smtClean="0"/>
+              <a:t>Thank </a:t>
             </a:r>
             <a:r>
               <a:rPr lang="en-US" dirty="0" smtClean="0"/>
@@ -3434,33 +3429,20 @@
           <a:p>
             <a:r>
               <a:rPr lang="en-US" dirty="0" smtClean="0"/>
-              <a:t>Source[1</a:t>
-            </a:r>
-            <a:r>
-              <a:rPr lang="en-US" dirty="0" smtClean="0"/>
-              <a:t>]:</a:t>
+              <a:t>Source[1]:</a:t>
             </a:r>
             <a:br>
               <a:rPr lang="en-US" dirty="0" smtClean="0"/>
             </a:br>
             <a:r>
               <a:rPr lang="en-US" dirty="0" smtClean="0"/>
-              <a:t>http</a:t>
-            </a:r>
-            <a:r>
-              <a:rPr lang="en-US" dirty="0" smtClean="0"/>
-              <a:t>://thewedordeadwager.files.wordpress.com/2011/03/luggage.jpg</a:t>
-            </a:r>
-            <a:endParaRPr lang="en-US" dirty="0" smtClean="0"/>
-          </a:p>
-          <a:p>
-            <a:r>
-              <a:rPr lang="en-US" dirty="0" smtClean="0"/>
-              <a:t>Source[2]: </a:t>
-            </a:r>
-            <a:r>
-              <a:rPr lang="en-US" dirty="0" smtClean="0"/>
-              <a:t>http://www.cs.arizona.edu/icon/oddsends/bpack/bpack.htm</a:t>
+              <a:t>http://thewedordeadwager.files.wordpress.com/2011/03/luggage.jpg</a:t>
+            </a:r>
+          </a:p>
+          <a:p>
+            <a:r>
+              <a:rPr lang="en-US" dirty="0" smtClean="0"/>
+              <a:t>Source[2]: http://www.cs.arizona.edu/icon/oddsends/bpack/bpack.htm</a:t>
             </a:r>
             <a:endParaRPr lang="en-US" dirty="0"/>
           </a:p>
@@ -3471,6 +3453,13 @@
   <p:clrMapOvr>
     <a:masterClrMapping/>
   </p:clrMapOvr>
+  <p:timing>
+    <p:tnLst>
+      <p:par>
+        <p:cTn id="1" dur="indefinite" restart="never" nodeType="tmRoot"/>
+      </p:par>
+    </p:tnLst>
+  </p:timing>
 </p:sld>
 </file>
 
@@ -4016,11 +4005,7 @@
           <a:p>
             <a:r>
               <a:rPr lang="en-US" dirty="0" smtClean="0"/>
-              <a:t>Figure 1:  Representing an unsorted luggage list , source </a:t>
-            </a:r>
-            <a:r>
-              <a:rPr lang="en-US" dirty="0" smtClean="0"/>
-              <a:t>[2]</a:t>
+              <a:t>Figure 1:  Representing an unsorted luggage list , source [2]</a:t>
             </a:r>
             <a:endParaRPr lang="en-US" dirty="0"/>
           </a:p>
@@ -4205,11 +4190,7 @@
           <a:p>
             <a:r>
               <a:rPr lang="en-US" dirty="0" smtClean="0"/>
-              <a:t>Figure 2: Representing the first fit (FF) algorithm, source </a:t>
-            </a:r>
-            <a:r>
-              <a:rPr lang="en-US" dirty="0" smtClean="0"/>
-              <a:t>[2]</a:t>
+              <a:t>Figure 2: Representing the first fit (FF) algorithm, source [2]</a:t>
             </a:r>
             <a:endParaRPr lang="en-US" dirty="0"/>
           </a:p>
@@ -4239,19 +4220,7 @@
           <a:p>
             <a:r>
               <a:rPr lang="en-US" dirty="0" smtClean="0"/>
-              <a:t>Figure 3: Representing the best fit (BF) algorithm, source </a:t>
-            </a:r>
-            <a:r>
-              <a:rPr lang="en-US" dirty="0" smtClean="0"/>
-              <a:t>[</a:t>
-            </a:r>
-            <a:r>
-              <a:rPr lang="en-US" dirty="0" smtClean="0"/>
-              <a:t>2</a:t>
-            </a:r>
-            <a:r>
-              <a:rPr lang="en-US" dirty="0" smtClean="0"/>
-              <a:t>]</a:t>
+              <a:t>Figure 3: Representing the best fit (BF) algorithm, source [2]</a:t>
             </a:r>
             <a:endParaRPr lang="en-US" dirty="0"/>
           </a:p>
@@ -4621,6 +4590,13 @@
   <p:clrMapOvr>
     <a:masterClrMapping/>
   </p:clrMapOvr>
+  <p:timing>
+    <p:tnLst>
+      <p:par>
+        <p:cTn id="1" dur="indefinite" restart="never" nodeType="tmRoot"/>
+      </p:par>
+    </p:tnLst>
+  </p:timing>
 </p:sld>
 </file>
 

--- a/trunk/PP for status.pptx
+++ b/trunk/PP for status.pptx
@@ -3402,7 +3402,7 @@
           <a:p>
             <a:r>
               <a:rPr lang="en-US" smtClean="0"/>
-              <a:t>Thank </a:t>
+              <a:t>Thank you </a:t>
             </a:r>
             <a:r>
               <a:rPr lang="en-US" dirty="0" smtClean="0"/>

--- a/trunk/PP for status.pptx
+++ b/trunk/PP for status.pptx
@@ -4,6 +4,9 @@
   <p:sldMasterIdLst>
     <p:sldMasterId id="2147483648" r:id="rId1"/>
   </p:sldMasterIdLst>
+  <p:notesMasterIdLst>
+    <p:notesMasterId r:id="rId13"/>
+  </p:notesMasterIdLst>
   <p:sldIdLst>
     <p:sldId id="256" r:id="rId2"/>
     <p:sldId id="257" r:id="rId3"/>
@@ -115,6 +118,1288 @@
     </a:lvl9pPr>
   </p:defaultTextStyle>
 </p:presentation>
+</file>
+
+<file path=ppt/notesMasters/notesMaster1.xml><?xml version="1.0" encoding="utf-8"?>
+<p:notesMaster xmlns:a="http://schemas.openxmlformats.org/drawingml/2006/main" xmlns:r="http://schemas.openxmlformats.org/officeDocument/2006/relationships" xmlns:p="http://schemas.openxmlformats.org/presentationml/2006/main">
+  <p:cSld>
+    <p:bg>
+      <p:bgRef idx="1001">
+        <a:schemeClr val="bg1"/>
+      </p:bgRef>
+    </p:bg>
+    <p:spTree>
+      <p:nvGrpSpPr>
+        <p:cNvPr id="1" name=""/>
+        <p:cNvGrpSpPr/>
+        <p:nvPr/>
+      </p:nvGrpSpPr>
+      <p:grpSpPr>
+        <a:xfrm>
+          <a:off x="0" y="0"/>
+          <a:ext cx="0" cy="0"/>
+          <a:chOff x="0" y="0"/>
+          <a:chExt cx="0" cy="0"/>
+        </a:xfrm>
+      </p:grpSpPr>
+      <p:sp>
+        <p:nvSpPr>
+          <p:cNvPr id="2" name="Pladsholder til sidehoved 1"/>
+          <p:cNvSpPr>
+            <a:spLocks noGrp="1"/>
+          </p:cNvSpPr>
+          <p:nvPr>
+            <p:ph type="hdr" sz="quarter"/>
+          </p:nvPr>
+        </p:nvSpPr>
+        <p:spPr>
+          <a:xfrm>
+            <a:off x="0" y="0"/>
+            <a:ext cx="2971800" cy="457200"/>
+          </a:xfrm>
+          <a:prstGeom prst="rect">
+            <a:avLst/>
+          </a:prstGeom>
+        </p:spPr>
+        <p:txBody>
+          <a:bodyPr vert="horz" lIns="91440" tIns="45720" rIns="91440" bIns="45720" rtlCol="0"/>
+          <a:lstStyle>
+            <a:lvl1pPr algn="l">
+              <a:defRPr sz="1200"/>
+            </a:lvl1pPr>
+          </a:lstStyle>
+          <a:p>
+            <a:endParaRPr lang="en-US"/>
+          </a:p>
+        </p:txBody>
+      </p:sp>
+      <p:sp>
+        <p:nvSpPr>
+          <p:cNvPr id="3" name="Pladsholder til dato 2"/>
+          <p:cNvSpPr>
+            <a:spLocks noGrp="1"/>
+          </p:cNvSpPr>
+          <p:nvPr>
+            <p:ph type="dt" idx="1"/>
+          </p:nvPr>
+        </p:nvSpPr>
+        <p:spPr>
+          <a:xfrm>
+            <a:off x="3884613" y="0"/>
+            <a:ext cx="2971800" cy="457200"/>
+          </a:xfrm>
+          <a:prstGeom prst="rect">
+            <a:avLst/>
+          </a:prstGeom>
+        </p:spPr>
+        <p:txBody>
+          <a:bodyPr vert="horz" lIns="91440" tIns="45720" rIns="91440" bIns="45720" rtlCol="0"/>
+          <a:lstStyle>
+            <a:lvl1pPr algn="r">
+              <a:defRPr sz="1200"/>
+            </a:lvl1pPr>
+          </a:lstStyle>
+          <a:p>
+            <a:fld id="{0921F56D-D4F6-4B67-B7FF-13654BE22F3F}" type="datetimeFigureOut">
+              <a:rPr lang="en-US" smtClean="0"/>
+              <a:t>3/30/2012</a:t>
+            </a:fld>
+            <a:endParaRPr lang="en-US"/>
+          </a:p>
+        </p:txBody>
+      </p:sp>
+      <p:sp>
+        <p:nvSpPr>
+          <p:cNvPr id="4" name="Pladsholder til diasbillede 3"/>
+          <p:cNvSpPr>
+            <a:spLocks noGrp="1" noRot="1" noChangeAspect="1"/>
+          </p:cNvSpPr>
+          <p:nvPr>
+            <p:ph type="sldImg" idx="2"/>
+          </p:nvPr>
+        </p:nvSpPr>
+        <p:spPr>
+          <a:xfrm>
+            <a:off x="1143000" y="685800"/>
+            <a:ext cx="4572000" cy="3429000"/>
+          </a:xfrm>
+          <a:prstGeom prst="rect">
+            <a:avLst/>
+          </a:prstGeom>
+          <a:noFill/>
+          <a:ln w="12700">
+            <a:solidFill>
+              <a:prstClr val="black"/>
+            </a:solidFill>
+          </a:ln>
+        </p:spPr>
+        <p:txBody>
+          <a:bodyPr vert="horz" lIns="91440" tIns="45720" rIns="91440" bIns="45720" rtlCol="0" anchor="ctr"/>
+          <a:lstStyle/>
+          <a:p>
+            <a:endParaRPr lang="en-US"/>
+          </a:p>
+        </p:txBody>
+      </p:sp>
+      <p:sp>
+        <p:nvSpPr>
+          <p:cNvPr id="5" name="Pladsholder til noter 4"/>
+          <p:cNvSpPr>
+            <a:spLocks noGrp="1"/>
+          </p:cNvSpPr>
+          <p:nvPr>
+            <p:ph type="body" sz="quarter" idx="3"/>
+          </p:nvPr>
+        </p:nvSpPr>
+        <p:spPr>
+          <a:xfrm>
+            <a:off x="685800" y="4343400"/>
+            <a:ext cx="5486400" cy="4114800"/>
+          </a:xfrm>
+          <a:prstGeom prst="rect">
+            <a:avLst/>
+          </a:prstGeom>
+        </p:spPr>
+        <p:txBody>
+          <a:bodyPr vert="horz" lIns="91440" tIns="45720" rIns="91440" bIns="45720" rtlCol="0">
+            <a:normAutofit/>
+          </a:bodyPr>
+          <a:lstStyle/>
+          <a:p>
+            <a:pPr lvl="0"/>
+            <a:r>
+              <a:rPr lang="da-DK" smtClean="0"/>
+              <a:t>Klik for at redigere typografi i masteren</a:t>
+            </a:r>
+          </a:p>
+          <a:p>
+            <a:pPr lvl="1"/>
+            <a:r>
+              <a:rPr lang="da-DK" smtClean="0"/>
+              <a:t>Andet niveau</a:t>
+            </a:r>
+          </a:p>
+          <a:p>
+            <a:pPr lvl="2"/>
+            <a:r>
+              <a:rPr lang="da-DK" smtClean="0"/>
+              <a:t>Tredje niveau</a:t>
+            </a:r>
+          </a:p>
+          <a:p>
+            <a:pPr lvl="3"/>
+            <a:r>
+              <a:rPr lang="da-DK" smtClean="0"/>
+              <a:t>Fjerde niveau</a:t>
+            </a:r>
+          </a:p>
+          <a:p>
+            <a:pPr lvl="4"/>
+            <a:r>
+              <a:rPr lang="da-DK" smtClean="0"/>
+              <a:t>Femte niveau</a:t>
+            </a:r>
+            <a:endParaRPr lang="en-US"/>
+          </a:p>
+        </p:txBody>
+      </p:sp>
+      <p:sp>
+        <p:nvSpPr>
+          <p:cNvPr id="6" name="Pladsholder til sidefod 5"/>
+          <p:cNvSpPr>
+            <a:spLocks noGrp="1"/>
+          </p:cNvSpPr>
+          <p:nvPr>
+            <p:ph type="ftr" sz="quarter" idx="4"/>
+          </p:nvPr>
+        </p:nvSpPr>
+        <p:spPr>
+          <a:xfrm>
+            <a:off x="0" y="8685213"/>
+            <a:ext cx="2971800" cy="457200"/>
+          </a:xfrm>
+          <a:prstGeom prst="rect">
+            <a:avLst/>
+          </a:prstGeom>
+        </p:spPr>
+        <p:txBody>
+          <a:bodyPr vert="horz" lIns="91440" tIns="45720" rIns="91440" bIns="45720" rtlCol="0" anchor="b"/>
+          <a:lstStyle>
+            <a:lvl1pPr algn="l">
+              <a:defRPr sz="1200"/>
+            </a:lvl1pPr>
+          </a:lstStyle>
+          <a:p>
+            <a:endParaRPr lang="en-US"/>
+          </a:p>
+        </p:txBody>
+      </p:sp>
+      <p:sp>
+        <p:nvSpPr>
+          <p:cNvPr id="7" name="Pladsholder til diasnummer 6"/>
+          <p:cNvSpPr>
+            <a:spLocks noGrp="1"/>
+          </p:cNvSpPr>
+          <p:nvPr>
+            <p:ph type="sldNum" sz="quarter" idx="5"/>
+          </p:nvPr>
+        </p:nvSpPr>
+        <p:spPr>
+          <a:xfrm>
+            <a:off x="3884613" y="8685213"/>
+            <a:ext cx="2971800" cy="457200"/>
+          </a:xfrm>
+          <a:prstGeom prst="rect">
+            <a:avLst/>
+          </a:prstGeom>
+        </p:spPr>
+        <p:txBody>
+          <a:bodyPr vert="horz" lIns="91440" tIns="45720" rIns="91440" bIns="45720" rtlCol="0" anchor="b"/>
+          <a:lstStyle>
+            <a:lvl1pPr algn="r">
+              <a:defRPr sz="1200"/>
+            </a:lvl1pPr>
+          </a:lstStyle>
+          <a:p>
+            <a:fld id="{F8197C54-A6DC-4C4A-97D6-FEF6F3221067}" type="slidenum">
+              <a:rPr lang="en-US" smtClean="0"/>
+              <a:t>‹nr.›</a:t>
+            </a:fld>
+            <a:endParaRPr lang="en-US"/>
+          </a:p>
+        </p:txBody>
+      </p:sp>
+    </p:spTree>
+  </p:cSld>
+  <p:clrMap bg1="lt1" tx1="dk1" bg2="lt2" tx2="dk2" accent1="accent1" accent2="accent2" accent3="accent3" accent4="accent4" accent5="accent5" accent6="accent6" hlink="hlink" folHlink="folHlink"/>
+  <p:notesStyle>
+    <a:lvl1pPr marL="0" algn="l" defTabSz="914400" rtl="0" eaLnBrk="1" latinLnBrk="0" hangingPunct="1">
+      <a:defRPr sz="1200" kern="1200">
+        <a:solidFill>
+          <a:schemeClr val="tx1"/>
+        </a:solidFill>
+        <a:latin typeface="+mn-lt"/>
+        <a:ea typeface="+mn-ea"/>
+        <a:cs typeface="+mn-cs"/>
+      </a:defRPr>
+    </a:lvl1pPr>
+    <a:lvl2pPr marL="457200" algn="l" defTabSz="914400" rtl="0" eaLnBrk="1" latinLnBrk="0" hangingPunct="1">
+      <a:defRPr sz="1200" kern="1200">
+        <a:solidFill>
+          <a:schemeClr val="tx1"/>
+        </a:solidFill>
+        <a:latin typeface="+mn-lt"/>
+        <a:ea typeface="+mn-ea"/>
+        <a:cs typeface="+mn-cs"/>
+      </a:defRPr>
+    </a:lvl2pPr>
+    <a:lvl3pPr marL="914400" algn="l" defTabSz="914400" rtl="0" eaLnBrk="1" latinLnBrk="0" hangingPunct="1">
+      <a:defRPr sz="1200" kern="1200">
+        <a:solidFill>
+          <a:schemeClr val="tx1"/>
+        </a:solidFill>
+        <a:latin typeface="+mn-lt"/>
+        <a:ea typeface="+mn-ea"/>
+        <a:cs typeface="+mn-cs"/>
+      </a:defRPr>
+    </a:lvl3pPr>
+    <a:lvl4pPr marL="1371600" algn="l" defTabSz="914400" rtl="0" eaLnBrk="1" latinLnBrk="0" hangingPunct="1">
+      <a:defRPr sz="1200" kern="1200">
+        <a:solidFill>
+          <a:schemeClr val="tx1"/>
+        </a:solidFill>
+        <a:latin typeface="+mn-lt"/>
+        <a:ea typeface="+mn-ea"/>
+        <a:cs typeface="+mn-cs"/>
+      </a:defRPr>
+    </a:lvl4pPr>
+    <a:lvl5pPr marL="1828800" algn="l" defTabSz="914400" rtl="0" eaLnBrk="1" latinLnBrk="0" hangingPunct="1">
+      <a:defRPr sz="1200" kern="1200">
+        <a:solidFill>
+          <a:schemeClr val="tx1"/>
+        </a:solidFill>
+        <a:latin typeface="+mn-lt"/>
+        <a:ea typeface="+mn-ea"/>
+        <a:cs typeface="+mn-cs"/>
+      </a:defRPr>
+    </a:lvl5pPr>
+    <a:lvl6pPr marL="2286000" algn="l" defTabSz="914400" rtl="0" eaLnBrk="1" latinLnBrk="0" hangingPunct="1">
+      <a:defRPr sz="1200" kern="1200">
+        <a:solidFill>
+          <a:schemeClr val="tx1"/>
+        </a:solidFill>
+        <a:latin typeface="+mn-lt"/>
+        <a:ea typeface="+mn-ea"/>
+        <a:cs typeface="+mn-cs"/>
+      </a:defRPr>
+    </a:lvl6pPr>
+    <a:lvl7pPr marL="2743200" algn="l" defTabSz="914400" rtl="0" eaLnBrk="1" latinLnBrk="0" hangingPunct="1">
+      <a:defRPr sz="1200" kern="1200">
+        <a:solidFill>
+          <a:schemeClr val="tx1"/>
+        </a:solidFill>
+        <a:latin typeface="+mn-lt"/>
+        <a:ea typeface="+mn-ea"/>
+        <a:cs typeface="+mn-cs"/>
+      </a:defRPr>
+    </a:lvl7pPr>
+    <a:lvl8pPr marL="3200400" algn="l" defTabSz="914400" rtl="0" eaLnBrk="1" latinLnBrk="0" hangingPunct="1">
+      <a:defRPr sz="1200" kern="1200">
+        <a:solidFill>
+          <a:schemeClr val="tx1"/>
+        </a:solidFill>
+        <a:latin typeface="+mn-lt"/>
+        <a:ea typeface="+mn-ea"/>
+        <a:cs typeface="+mn-cs"/>
+      </a:defRPr>
+    </a:lvl8pPr>
+    <a:lvl9pPr marL="3657600" algn="l" defTabSz="914400" rtl="0" eaLnBrk="1" latinLnBrk="0" hangingPunct="1">
+      <a:defRPr sz="1200" kern="1200">
+        <a:solidFill>
+          <a:schemeClr val="tx1"/>
+        </a:solidFill>
+        <a:latin typeface="+mn-lt"/>
+        <a:ea typeface="+mn-ea"/>
+        <a:cs typeface="+mn-cs"/>
+      </a:defRPr>
+    </a:lvl9pPr>
+  </p:notesStyle>
+</p:notesMaster>
+</file>
+
+<file path=ppt/notesSlides/notesSlide1.xml><?xml version="1.0" encoding="utf-8"?>
+<p:notes xmlns:a="http://schemas.openxmlformats.org/drawingml/2006/main" xmlns:r="http://schemas.openxmlformats.org/officeDocument/2006/relationships" xmlns:p="http://schemas.openxmlformats.org/presentationml/2006/main">
+  <p:cSld>
+    <p:spTree>
+      <p:nvGrpSpPr>
+        <p:cNvPr id="1" name=""/>
+        <p:cNvGrpSpPr/>
+        <p:nvPr/>
+      </p:nvGrpSpPr>
+      <p:grpSpPr>
+        <a:xfrm>
+          <a:off x="0" y="0"/>
+          <a:ext cx="0" cy="0"/>
+          <a:chOff x="0" y="0"/>
+          <a:chExt cx="0" cy="0"/>
+        </a:xfrm>
+      </p:grpSpPr>
+      <p:sp>
+        <p:nvSpPr>
+          <p:cNvPr id="2" name="Pladsholder til diasbillede 1"/>
+          <p:cNvSpPr>
+            <a:spLocks noGrp="1" noRot="1" noChangeAspect="1"/>
+          </p:cNvSpPr>
+          <p:nvPr>
+            <p:ph type="sldImg"/>
+          </p:nvPr>
+        </p:nvSpPr>
+        <p:spPr/>
+      </p:sp>
+      <p:sp>
+        <p:nvSpPr>
+          <p:cNvPr id="3" name="Pladsholder til noter 2"/>
+          <p:cNvSpPr>
+            <a:spLocks noGrp="1"/>
+          </p:cNvSpPr>
+          <p:nvPr>
+            <p:ph type="body" idx="1"/>
+          </p:nvPr>
+        </p:nvSpPr>
+        <p:spPr/>
+        <p:txBody>
+          <a:bodyPr>
+            <a:normAutofit/>
+          </a:bodyPr>
+          <a:lstStyle/>
+          <a:p>
+            <a:r>
+              <a:rPr lang="en-US" dirty="0" err="1" smtClean="0"/>
+              <a:t>Mette</a:t>
+            </a:r>
+            <a:endParaRPr lang="en-US" dirty="0"/>
+          </a:p>
+        </p:txBody>
+      </p:sp>
+      <p:sp>
+        <p:nvSpPr>
+          <p:cNvPr id="4" name="Pladsholder til diasnummer 3"/>
+          <p:cNvSpPr>
+            <a:spLocks noGrp="1"/>
+          </p:cNvSpPr>
+          <p:nvPr>
+            <p:ph type="sldNum" sz="quarter" idx="10"/>
+          </p:nvPr>
+        </p:nvSpPr>
+        <p:spPr/>
+        <p:txBody>
+          <a:bodyPr/>
+          <a:lstStyle/>
+          <a:p>
+            <a:fld id="{F8197C54-A6DC-4C4A-97D6-FEF6F3221067}" type="slidenum">
+              <a:rPr lang="en-US" smtClean="0"/>
+              <a:t>1</a:t>
+            </a:fld>
+            <a:endParaRPr lang="en-US"/>
+          </a:p>
+        </p:txBody>
+      </p:sp>
+    </p:spTree>
+  </p:cSld>
+  <p:clrMapOvr>
+    <a:masterClrMapping/>
+  </p:clrMapOvr>
+</p:notes>
+</file>
+
+<file path=ppt/notesSlides/notesSlide10.xml><?xml version="1.0" encoding="utf-8"?>
+<p:notes xmlns:a="http://schemas.openxmlformats.org/drawingml/2006/main" xmlns:r="http://schemas.openxmlformats.org/officeDocument/2006/relationships" xmlns:p="http://schemas.openxmlformats.org/presentationml/2006/main">
+  <p:cSld>
+    <p:spTree>
+      <p:nvGrpSpPr>
+        <p:cNvPr id="1" name=""/>
+        <p:cNvGrpSpPr/>
+        <p:nvPr/>
+      </p:nvGrpSpPr>
+      <p:grpSpPr>
+        <a:xfrm>
+          <a:off x="0" y="0"/>
+          <a:ext cx="0" cy="0"/>
+          <a:chOff x="0" y="0"/>
+          <a:chExt cx="0" cy="0"/>
+        </a:xfrm>
+      </p:grpSpPr>
+      <p:sp>
+        <p:nvSpPr>
+          <p:cNvPr id="2" name="Pladsholder til diasbillede 1"/>
+          <p:cNvSpPr>
+            <a:spLocks noGrp="1" noRot="1" noChangeAspect="1"/>
+          </p:cNvSpPr>
+          <p:nvPr>
+            <p:ph type="sldImg"/>
+          </p:nvPr>
+        </p:nvSpPr>
+        <p:spPr/>
+      </p:sp>
+      <p:sp>
+        <p:nvSpPr>
+          <p:cNvPr id="3" name="Pladsholder til noter 2"/>
+          <p:cNvSpPr>
+            <a:spLocks noGrp="1"/>
+          </p:cNvSpPr>
+          <p:nvPr>
+            <p:ph type="body" idx="1"/>
+          </p:nvPr>
+        </p:nvSpPr>
+        <p:spPr/>
+        <p:txBody>
+          <a:bodyPr>
+            <a:normAutofit/>
+          </a:bodyPr>
+          <a:lstStyle/>
+          <a:p>
+            <a:r>
+              <a:rPr lang="en-US" dirty="0" smtClean="0"/>
+              <a:t>Dag</a:t>
+            </a:r>
+            <a:endParaRPr lang="en-US" dirty="0"/>
+          </a:p>
+        </p:txBody>
+      </p:sp>
+      <p:sp>
+        <p:nvSpPr>
+          <p:cNvPr id="4" name="Pladsholder til diasnummer 3"/>
+          <p:cNvSpPr>
+            <a:spLocks noGrp="1"/>
+          </p:cNvSpPr>
+          <p:nvPr>
+            <p:ph type="sldNum" sz="quarter" idx="10"/>
+          </p:nvPr>
+        </p:nvSpPr>
+        <p:spPr/>
+        <p:txBody>
+          <a:bodyPr/>
+          <a:lstStyle/>
+          <a:p>
+            <a:fld id="{F8197C54-A6DC-4C4A-97D6-FEF6F3221067}" type="slidenum">
+              <a:rPr lang="en-US" smtClean="0"/>
+              <a:t>10</a:t>
+            </a:fld>
+            <a:endParaRPr lang="en-US"/>
+          </a:p>
+        </p:txBody>
+      </p:sp>
+    </p:spTree>
+  </p:cSld>
+  <p:clrMapOvr>
+    <a:masterClrMapping/>
+  </p:clrMapOvr>
+</p:notes>
+</file>
+
+<file path=ppt/notesSlides/notesSlide11.xml><?xml version="1.0" encoding="utf-8"?>
+<p:notes xmlns:a="http://schemas.openxmlformats.org/drawingml/2006/main" xmlns:r="http://schemas.openxmlformats.org/officeDocument/2006/relationships" xmlns:p="http://schemas.openxmlformats.org/presentationml/2006/main">
+  <p:cSld>
+    <p:spTree>
+      <p:nvGrpSpPr>
+        <p:cNvPr id="1" name=""/>
+        <p:cNvGrpSpPr/>
+        <p:nvPr/>
+      </p:nvGrpSpPr>
+      <p:grpSpPr>
+        <a:xfrm>
+          <a:off x="0" y="0"/>
+          <a:ext cx="0" cy="0"/>
+          <a:chOff x="0" y="0"/>
+          <a:chExt cx="0" cy="0"/>
+        </a:xfrm>
+      </p:grpSpPr>
+      <p:sp>
+        <p:nvSpPr>
+          <p:cNvPr id="2" name="Pladsholder til diasbillede 1"/>
+          <p:cNvSpPr>
+            <a:spLocks noGrp="1" noRot="1" noChangeAspect="1"/>
+          </p:cNvSpPr>
+          <p:nvPr>
+            <p:ph type="sldImg"/>
+          </p:nvPr>
+        </p:nvSpPr>
+        <p:spPr/>
+      </p:sp>
+      <p:sp>
+        <p:nvSpPr>
+          <p:cNvPr id="3" name="Pladsholder til noter 2"/>
+          <p:cNvSpPr>
+            <a:spLocks noGrp="1"/>
+          </p:cNvSpPr>
+          <p:nvPr>
+            <p:ph type="body" idx="1"/>
+          </p:nvPr>
+        </p:nvSpPr>
+        <p:spPr/>
+        <p:txBody>
+          <a:bodyPr>
+            <a:normAutofit/>
+          </a:bodyPr>
+          <a:lstStyle/>
+          <a:p>
+            <a:r>
+              <a:rPr lang="en-US" dirty="0" smtClean="0"/>
+              <a:t>Dag</a:t>
+            </a:r>
+            <a:endParaRPr lang="en-US" dirty="0"/>
+          </a:p>
+        </p:txBody>
+      </p:sp>
+      <p:sp>
+        <p:nvSpPr>
+          <p:cNvPr id="4" name="Pladsholder til diasnummer 3"/>
+          <p:cNvSpPr>
+            <a:spLocks noGrp="1"/>
+          </p:cNvSpPr>
+          <p:nvPr>
+            <p:ph type="sldNum" sz="quarter" idx="10"/>
+          </p:nvPr>
+        </p:nvSpPr>
+        <p:spPr/>
+        <p:txBody>
+          <a:bodyPr/>
+          <a:lstStyle/>
+          <a:p>
+            <a:fld id="{F8197C54-A6DC-4C4A-97D6-FEF6F3221067}" type="slidenum">
+              <a:rPr lang="en-US" smtClean="0"/>
+              <a:t>11</a:t>
+            </a:fld>
+            <a:endParaRPr lang="en-US"/>
+          </a:p>
+        </p:txBody>
+      </p:sp>
+    </p:spTree>
+  </p:cSld>
+  <p:clrMapOvr>
+    <a:masterClrMapping/>
+  </p:clrMapOvr>
+</p:notes>
+</file>
+
+<file path=ppt/notesSlides/notesSlide2.xml><?xml version="1.0" encoding="utf-8"?>
+<p:notes xmlns:a="http://schemas.openxmlformats.org/drawingml/2006/main" xmlns:r="http://schemas.openxmlformats.org/officeDocument/2006/relationships" xmlns:p="http://schemas.openxmlformats.org/presentationml/2006/main">
+  <p:cSld>
+    <p:spTree>
+      <p:nvGrpSpPr>
+        <p:cNvPr id="1" name=""/>
+        <p:cNvGrpSpPr/>
+        <p:nvPr/>
+      </p:nvGrpSpPr>
+      <p:grpSpPr>
+        <a:xfrm>
+          <a:off x="0" y="0"/>
+          <a:ext cx="0" cy="0"/>
+          <a:chOff x="0" y="0"/>
+          <a:chExt cx="0" cy="0"/>
+        </a:xfrm>
+      </p:grpSpPr>
+      <p:sp>
+        <p:nvSpPr>
+          <p:cNvPr id="2" name="Pladsholder til diasbillede 1"/>
+          <p:cNvSpPr>
+            <a:spLocks noGrp="1" noRot="1" noChangeAspect="1"/>
+          </p:cNvSpPr>
+          <p:nvPr>
+            <p:ph type="sldImg"/>
+          </p:nvPr>
+        </p:nvSpPr>
+        <p:spPr/>
+      </p:sp>
+      <p:sp>
+        <p:nvSpPr>
+          <p:cNvPr id="3" name="Pladsholder til noter 2"/>
+          <p:cNvSpPr>
+            <a:spLocks noGrp="1"/>
+          </p:cNvSpPr>
+          <p:nvPr>
+            <p:ph type="body" idx="1"/>
+          </p:nvPr>
+        </p:nvSpPr>
+        <p:spPr/>
+        <p:txBody>
+          <a:bodyPr>
+            <a:normAutofit/>
+          </a:bodyPr>
+          <a:lstStyle/>
+          <a:p>
+            <a:r>
+              <a:rPr lang="en-US" dirty="0" err="1" smtClean="0"/>
+              <a:t>Mette</a:t>
+            </a:r>
+            <a:endParaRPr lang="en-US" dirty="0"/>
+          </a:p>
+        </p:txBody>
+      </p:sp>
+      <p:sp>
+        <p:nvSpPr>
+          <p:cNvPr id="4" name="Pladsholder til diasnummer 3"/>
+          <p:cNvSpPr>
+            <a:spLocks noGrp="1"/>
+          </p:cNvSpPr>
+          <p:nvPr>
+            <p:ph type="sldNum" sz="quarter" idx="10"/>
+          </p:nvPr>
+        </p:nvSpPr>
+        <p:spPr/>
+        <p:txBody>
+          <a:bodyPr/>
+          <a:lstStyle/>
+          <a:p>
+            <a:fld id="{F8197C54-A6DC-4C4A-97D6-FEF6F3221067}" type="slidenum">
+              <a:rPr lang="en-US" smtClean="0"/>
+              <a:t>2</a:t>
+            </a:fld>
+            <a:endParaRPr lang="en-US"/>
+          </a:p>
+        </p:txBody>
+      </p:sp>
+    </p:spTree>
+  </p:cSld>
+  <p:clrMapOvr>
+    <a:masterClrMapping/>
+  </p:clrMapOvr>
+</p:notes>
+</file>
+
+<file path=ppt/notesSlides/notesSlide3.xml><?xml version="1.0" encoding="utf-8"?>
+<p:notes xmlns:a="http://schemas.openxmlformats.org/drawingml/2006/main" xmlns:r="http://schemas.openxmlformats.org/officeDocument/2006/relationships" xmlns:p="http://schemas.openxmlformats.org/presentationml/2006/main">
+  <p:cSld>
+    <p:spTree>
+      <p:nvGrpSpPr>
+        <p:cNvPr id="1" name=""/>
+        <p:cNvGrpSpPr/>
+        <p:nvPr/>
+      </p:nvGrpSpPr>
+      <p:grpSpPr>
+        <a:xfrm>
+          <a:off x="0" y="0"/>
+          <a:ext cx="0" cy="0"/>
+          <a:chOff x="0" y="0"/>
+          <a:chExt cx="0" cy="0"/>
+        </a:xfrm>
+      </p:grpSpPr>
+      <p:sp>
+        <p:nvSpPr>
+          <p:cNvPr id="2" name="Pladsholder til diasbillede 1"/>
+          <p:cNvSpPr>
+            <a:spLocks noGrp="1" noRot="1" noChangeAspect="1"/>
+          </p:cNvSpPr>
+          <p:nvPr>
+            <p:ph type="sldImg"/>
+          </p:nvPr>
+        </p:nvSpPr>
+        <p:spPr/>
+      </p:sp>
+      <p:sp>
+        <p:nvSpPr>
+          <p:cNvPr id="3" name="Pladsholder til noter 2"/>
+          <p:cNvSpPr>
+            <a:spLocks noGrp="1"/>
+          </p:cNvSpPr>
+          <p:nvPr>
+            <p:ph type="body" idx="1"/>
+          </p:nvPr>
+        </p:nvSpPr>
+        <p:spPr/>
+        <p:txBody>
+          <a:bodyPr>
+            <a:normAutofit/>
+          </a:bodyPr>
+          <a:lstStyle/>
+          <a:p>
+            <a:r>
+              <a:rPr lang="en-US" dirty="0" err="1" smtClean="0"/>
+              <a:t>Aleksander</a:t>
+            </a:r>
+            <a:endParaRPr lang="en-US" dirty="0"/>
+          </a:p>
+        </p:txBody>
+      </p:sp>
+      <p:sp>
+        <p:nvSpPr>
+          <p:cNvPr id="4" name="Pladsholder til diasnummer 3"/>
+          <p:cNvSpPr>
+            <a:spLocks noGrp="1"/>
+          </p:cNvSpPr>
+          <p:nvPr>
+            <p:ph type="sldNum" sz="quarter" idx="10"/>
+          </p:nvPr>
+        </p:nvSpPr>
+        <p:spPr/>
+        <p:txBody>
+          <a:bodyPr/>
+          <a:lstStyle/>
+          <a:p>
+            <a:fld id="{F8197C54-A6DC-4C4A-97D6-FEF6F3221067}" type="slidenum">
+              <a:rPr lang="en-US" smtClean="0"/>
+              <a:t>3</a:t>
+            </a:fld>
+            <a:endParaRPr lang="en-US"/>
+          </a:p>
+        </p:txBody>
+      </p:sp>
+    </p:spTree>
+  </p:cSld>
+  <p:clrMapOvr>
+    <a:masterClrMapping/>
+  </p:clrMapOvr>
+</p:notes>
+</file>
+
+<file path=ppt/notesSlides/notesSlide4.xml><?xml version="1.0" encoding="utf-8"?>
+<p:notes xmlns:a="http://schemas.openxmlformats.org/drawingml/2006/main" xmlns:r="http://schemas.openxmlformats.org/officeDocument/2006/relationships" xmlns:p="http://schemas.openxmlformats.org/presentationml/2006/main">
+  <p:cSld>
+    <p:spTree>
+      <p:nvGrpSpPr>
+        <p:cNvPr id="1" name=""/>
+        <p:cNvGrpSpPr/>
+        <p:nvPr/>
+      </p:nvGrpSpPr>
+      <p:grpSpPr>
+        <a:xfrm>
+          <a:off x="0" y="0"/>
+          <a:ext cx="0" cy="0"/>
+          <a:chOff x="0" y="0"/>
+          <a:chExt cx="0" cy="0"/>
+        </a:xfrm>
+      </p:grpSpPr>
+      <p:sp>
+        <p:nvSpPr>
+          <p:cNvPr id="2" name="Pladsholder til diasbillede 1"/>
+          <p:cNvSpPr>
+            <a:spLocks noGrp="1" noRot="1" noChangeAspect="1"/>
+          </p:cNvSpPr>
+          <p:nvPr>
+            <p:ph type="sldImg"/>
+          </p:nvPr>
+        </p:nvSpPr>
+        <p:spPr/>
+      </p:sp>
+      <p:sp>
+        <p:nvSpPr>
+          <p:cNvPr id="3" name="Pladsholder til noter 2"/>
+          <p:cNvSpPr>
+            <a:spLocks noGrp="1"/>
+          </p:cNvSpPr>
+          <p:nvPr>
+            <p:ph type="body" idx="1"/>
+          </p:nvPr>
+        </p:nvSpPr>
+        <p:spPr/>
+        <p:txBody>
+          <a:bodyPr>
+            <a:normAutofit/>
+          </a:bodyPr>
+          <a:lstStyle/>
+          <a:p>
+            <a:r>
+              <a:rPr lang="en-US" dirty="0" err="1" smtClean="0"/>
+              <a:t>Aleksander</a:t>
+            </a:r>
+            <a:endParaRPr lang="en-US" dirty="0"/>
+          </a:p>
+        </p:txBody>
+      </p:sp>
+      <p:sp>
+        <p:nvSpPr>
+          <p:cNvPr id="4" name="Pladsholder til diasnummer 3"/>
+          <p:cNvSpPr>
+            <a:spLocks noGrp="1"/>
+          </p:cNvSpPr>
+          <p:nvPr>
+            <p:ph type="sldNum" sz="quarter" idx="10"/>
+          </p:nvPr>
+        </p:nvSpPr>
+        <p:spPr/>
+        <p:txBody>
+          <a:bodyPr/>
+          <a:lstStyle/>
+          <a:p>
+            <a:fld id="{F8197C54-A6DC-4C4A-97D6-FEF6F3221067}" type="slidenum">
+              <a:rPr lang="en-US" smtClean="0"/>
+              <a:t>4</a:t>
+            </a:fld>
+            <a:endParaRPr lang="en-US"/>
+          </a:p>
+        </p:txBody>
+      </p:sp>
+    </p:spTree>
+  </p:cSld>
+  <p:clrMapOvr>
+    <a:masterClrMapping/>
+  </p:clrMapOvr>
+</p:notes>
+</file>
+
+<file path=ppt/notesSlides/notesSlide5.xml><?xml version="1.0" encoding="utf-8"?>
+<p:notes xmlns:a="http://schemas.openxmlformats.org/drawingml/2006/main" xmlns:r="http://schemas.openxmlformats.org/officeDocument/2006/relationships" xmlns:p="http://schemas.openxmlformats.org/presentationml/2006/main">
+  <p:cSld>
+    <p:spTree>
+      <p:nvGrpSpPr>
+        <p:cNvPr id="1" name=""/>
+        <p:cNvGrpSpPr/>
+        <p:nvPr/>
+      </p:nvGrpSpPr>
+      <p:grpSpPr>
+        <a:xfrm>
+          <a:off x="0" y="0"/>
+          <a:ext cx="0" cy="0"/>
+          <a:chOff x="0" y="0"/>
+          <a:chExt cx="0" cy="0"/>
+        </a:xfrm>
+      </p:grpSpPr>
+      <p:sp>
+        <p:nvSpPr>
+          <p:cNvPr id="2" name="Pladsholder til diasbillede 1"/>
+          <p:cNvSpPr>
+            <a:spLocks noGrp="1" noRot="1" noChangeAspect="1"/>
+          </p:cNvSpPr>
+          <p:nvPr>
+            <p:ph type="sldImg"/>
+          </p:nvPr>
+        </p:nvSpPr>
+        <p:spPr/>
+      </p:sp>
+      <p:sp>
+        <p:nvSpPr>
+          <p:cNvPr id="3" name="Pladsholder til noter 2"/>
+          <p:cNvSpPr>
+            <a:spLocks noGrp="1"/>
+          </p:cNvSpPr>
+          <p:nvPr>
+            <p:ph type="body" idx="1"/>
+          </p:nvPr>
+        </p:nvSpPr>
+        <p:spPr/>
+        <p:txBody>
+          <a:bodyPr>
+            <a:normAutofit/>
+          </a:bodyPr>
+          <a:lstStyle/>
+          <a:p>
+            <a:r>
+              <a:rPr lang="en-US" dirty="0" err="1" smtClean="0"/>
+              <a:t>Rasmus</a:t>
+            </a:r>
+            <a:endParaRPr lang="en-US" dirty="0"/>
+          </a:p>
+        </p:txBody>
+      </p:sp>
+      <p:sp>
+        <p:nvSpPr>
+          <p:cNvPr id="4" name="Pladsholder til diasnummer 3"/>
+          <p:cNvSpPr>
+            <a:spLocks noGrp="1"/>
+          </p:cNvSpPr>
+          <p:nvPr>
+            <p:ph type="sldNum" sz="quarter" idx="10"/>
+          </p:nvPr>
+        </p:nvSpPr>
+        <p:spPr/>
+        <p:txBody>
+          <a:bodyPr/>
+          <a:lstStyle/>
+          <a:p>
+            <a:fld id="{F8197C54-A6DC-4C4A-97D6-FEF6F3221067}" type="slidenum">
+              <a:rPr lang="en-US" smtClean="0"/>
+              <a:t>5</a:t>
+            </a:fld>
+            <a:endParaRPr lang="en-US"/>
+          </a:p>
+        </p:txBody>
+      </p:sp>
+    </p:spTree>
+  </p:cSld>
+  <p:clrMapOvr>
+    <a:masterClrMapping/>
+  </p:clrMapOvr>
+</p:notes>
+</file>
+
+<file path=ppt/notesSlides/notesSlide6.xml><?xml version="1.0" encoding="utf-8"?>
+<p:notes xmlns:a="http://schemas.openxmlformats.org/drawingml/2006/main" xmlns:r="http://schemas.openxmlformats.org/officeDocument/2006/relationships" xmlns:p="http://schemas.openxmlformats.org/presentationml/2006/main">
+  <p:cSld>
+    <p:spTree>
+      <p:nvGrpSpPr>
+        <p:cNvPr id="1" name=""/>
+        <p:cNvGrpSpPr/>
+        <p:nvPr/>
+      </p:nvGrpSpPr>
+      <p:grpSpPr>
+        <a:xfrm>
+          <a:off x="0" y="0"/>
+          <a:ext cx="0" cy="0"/>
+          <a:chOff x="0" y="0"/>
+          <a:chExt cx="0" cy="0"/>
+        </a:xfrm>
+      </p:grpSpPr>
+      <p:sp>
+        <p:nvSpPr>
+          <p:cNvPr id="2" name="Pladsholder til diasbillede 1"/>
+          <p:cNvSpPr>
+            <a:spLocks noGrp="1" noRot="1" noChangeAspect="1"/>
+          </p:cNvSpPr>
+          <p:nvPr>
+            <p:ph type="sldImg"/>
+          </p:nvPr>
+        </p:nvSpPr>
+        <p:spPr/>
+      </p:sp>
+      <p:sp>
+        <p:nvSpPr>
+          <p:cNvPr id="3" name="Pladsholder til noter 2"/>
+          <p:cNvSpPr>
+            <a:spLocks noGrp="1"/>
+          </p:cNvSpPr>
+          <p:nvPr>
+            <p:ph type="body" idx="1"/>
+          </p:nvPr>
+        </p:nvSpPr>
+        <p:spPr/>
+        <p:txBody>
+          <a:bodyPr>
+            <a:normAutofit/>
+          </a:bodyPr>
+          <a:lstStyle/>
+          <a:p>
+            <a:r>
+              <a:rPr lang="en-US" dirty="0" err="1" smtClean="0"/>
+              <a:t>Rasmus</a:t>
+            </a:r>
+            <a:endParaRPr lang="en-US" dirty="0"/>
+          </a:p>
+        </p:txBody>
+      </p:sp>
+      <p:sp>
+        <p:nvSpPr>
+          <p:cNvPr id="4" name="Pladsholder til diasnummer 3"/>
+          <p:cNvSpPr>
+            <a:spLocks noGrp="1"/>
+          </p:cNvSpPr>
+          <p:nvPr>
+            <p:ph type="sldNum" sz="quarter" idx="10"/>
+          </p:nvPr>
+        </p:nvSpPr>
+        <p:spPr/>
+        <p:txBody>
+          <a:bodyPr/>
+          <a:lstStyle/>
+          <a:p>
+            <a:fld id="{F8197C54-A6DC-4C4A-97D6-FEF6F3221067}" type="slidenum">
+              <a:rPr lang="en-US" smtClean="0"/>
+              <a:t>6</a:t>
+            </a:fld>
+            <a:endParaRPr lang="en-US"/>
+          </a:p>
+        </p:txBody>
+      </p:sp>
+    </p:spTree>
+  </p:cSld>
+  <p:clrMapOvr>
+    <a:masterClrMapping/>
+  </p:clrMapOvr>
+</p:notes>
+</file>
+
+<file path=ppt/notesSlides/notesSlide7.xml><?xml version="1.0" encoding="utf-8"?>
+<p:notes xmlns:a="http://schemas.openxmlformats.org/drawingml/2006/main" xmlns:r="http://schemas.openxmlformats.org/officeDocument/2006/relationships" xmlns:p="http://schemas.openxmlformats.org/presentationml/2006/main">
+  <p:cSld>
+    <p:spTree>
+      <p:nvGrpSpPr>
+        <p:cNvPr id="1" name=""/>
+        <p:cNvGrpSpPr/>
+        <p:nvPr/>
+      </p:nvGrpSpPr>
+      <p:grpSpPr>
+        <a:xfrm>
+          <a:off x="0" y="0"/>
+          <a:ext cx="0" cy="0"/>
+          <a:chOff x="0" y="0"/>
+          <a:chExt cx="0" cy="0"/>
+        </a:xfrm>
+      </p:grpSpPr>
+      <p:sp>
+        <p:nvSpPr>
+          <p:cNvPr id="2" name="Pladsholder til diasbillede 1"/>
+          <p:cNvSpPr>
+            <a:spLocks noGrp="1" noRot="1" noChangeAspect="1"/>
+          </p:cNvSpPr>
+          <p:nvPr>
+            <p:ph type="sldImg"/>
+          </p:nvPr>
+        </p:nvSpPr>
+        <p:spPr/>
+      </p:sp>
+      <p:sp>
+        <p:nvSpPr>
+          <p:cNvPr id="3" name="Pladsholder til noter 2"/>
+          <p:cNvSpPr>
+            <a:spLocks noGrp="1"/>
+          </p:cNvSpPr>
+          <p:nvPr>
+            <p:ph type="body" idx="1"/>
+          </p:nvPr>
+        </p:nvSpPr>
+        <p:spPr/>
+        <p:txBody>
+          <a:bodyPr>
+            <a:normAutofit/>
+          </a:bodyPr>
+          <a:lstStyle/>
+          <a:p>
+            <a:r>
+              <a:rPr lang="en-US" dirty="0" smtClean="0"/>
+              <a:t>Christian</a:t>
+            </a:r>
+            <a:endParaRPr lang="en-US" dirty="0"/>
+          </a:p>
+        </p:txBody>
+      </p:sp>
+      <p:sp>
+        <p:nvSpPr>
+          <p:cNvPr id="4" name="Pladsholder til diasnummer 3"/>
+          <p:cNvSpPr>
+            <a:spLocks noGrp="1"/>
+          </p:cNvSpPr>
+          <p:nvPr>
+            <p:ph type="sldNum" sz="quarter" idx="10"/>
+          </p:nvPr>
+        </p:nvSpPr>
+        <p:spPr/>
+        <p:txBody>
+          <a:bodyPr/>
+          <a:lstStyle/>
+          <a:p>
+            <a:fld id="{F8197C54-A6DC-4C4A-97D6-FEF6F3221067}" type="slidenum">
+              <a:rPr lang="en-US" smtClean="0"/>
+              <a:t>7</a:t>
+            </a:fld>
+            <a:endParaRPr lang="en-US"/>
+          </a:p>
+        </p:txBody>
+      </p:sp>
+    </p:spTree>
+  </p:cSld>
+  <p:clrMapOvr>
+    <a:masterClrMapping/>
+  </p:clrMapOvr>
+</p:notes>
+</file>
+
+<file path=ppt/notesSlides/notesSlide8.xml><?xml version="1.0" encoding="utf-8"?>
+<p:notes xmlns:a="http://schemas.openxmlformats.org/drawingml/2006/main" xmlns:r="http://schemas.openxmlformats.org/officeDocument/2006/relationships" xmlns:p="http://schemas.openxmlformats.org/presentationml/2006/main">
+  <p:cSld>
+    <p:spTree>
+      <p:nvGrpSpPr>
+        <p:cNvPr id="1" name=""/>
+        <p:cNvGrpSpPr/>
+        <p:nvPr/>
+      </p:nvGrpSpPr>
+      <p:grpSpPr>
+        <a:xfrm>
+          <a:off x="0" y="0"/>
+          <a:ext cx="0" cy="0"/>
+          <a:chOff x="0" y="0"/>
+          <a:chExt cx="0" cy="0"/>
+        </a:xfrm>
+      </p:grpSpPr>
+      <p:sp>
+        <p:nvSpPr>
+          <p:cNvPr id="2" name="Pladsholder til diasbillede 1"/>
+          <p:cNvSpPr>
+            <a:spLocks noGrp="1" noRot="1" noChangeAspect="1"/>
+          </p:cNvSpPr>
+          <p:nvPr>
+            <p:ph type="sldImg"/>
+          </p:nvPr>
+        </p:nvSpPr>
+        <p:spPr/>
+      </p:sp>
+      <p:sp>
+        <p:nvSpPr>
+          <p:cNvPr id="3" name="Pladsholder til noter 2"/>
+          <p:cNvSpPr>
+            <a:spLocks noGrp="1"/>
+          </p:cNvSpPr>
+          <p:nvPr>
+            <p:ph type="body" idx="1"/>
+          </p:nvPr>
+        </p:nvSpPr>
+        <p:spPr/>
+        <p:txBody>
+          <a:bodyPr>
+            <a:normAutofit/>
+          </a:bodyPr>
+          <a:lstStyle/>
+          <a:p>
+            <a:r>
+              <a:rPr lang="en-US" dirty="0" smtClean="0"/>
+              <a:t>Christian</a:t>
+            </a:r>
+            <a:endParaRPr lang="en-US" dirty="0"/>
+          </a:p>
+        </p:txBody>
+      </p:sp>
+      <p:sp>
+        <p:nvSpPr>
+          <p:cNvPr id="4" name="Pladsholder til diasnummer 3"/>
+          <p:cNvSpPr>
+            <a:spLocks noGrp="1"/>
+          </p:cNvSpPr>
+          <p:nvPr>
+            <p:ph type="sldNum" sz="quarter" idx="10"/>
+          </p:nvPr>
+        </p:nvSpPr>
+        <p:spPr/>
+        <p:txBody>
+          <a:bodyPr/>
+          <a:lstStyle/>
+          <a:p>
+            <a:fld id="{F8197C54-A6DC-4C4A-97D6-FEF6F3221067}" type="slidenum">
+              <a:rPr lang="en-US" smtClean="0"/>
+              <a:t>8</a:t>
+            </a:fld>
+            <a:endParaRPr lang="en-US"/>
+          </a:p>
+        </p:txBody>
+      </p:sp>
+    </p:spTree>
+  </p:cSld>
+  <p:clrMapOvr>
+    <a:masterClrMapping/>
+  </p:clrMapOvr>
+</p:notes>
+</file>
+
+<file path=ppt/notesSlides/notesSlide9.xml><?xml version="1.0" encoding="utf-8"?>
+<p:notes xmlns:a="http://schemas.openxmlformats.org/drawingml/2006/main" xmlns:r="http://schemas.openxmlformats.org/officeDocument/2006/relationships" xmlns:p="http://schemas.openxmlformats.org/presentationml/2006/main">
+  <p:cSld>
+    <p:spTree>
+      <p:nvGrpSpPr>
+        <p:cNvPr id="1" name=""/>
+        <p:cNvGrpSpPr/>
+        <p:nvPr/>
+      </p:nvGrpSpPr>
+      <p:grpSpPr>
+        <a:xfrm>
+          <a:off x="0" y="0"/>
+          <a:ext cx="0" cy="0"/>
+          <a:chOff x="0" y="0"/>
+          <a:chExt cx="0" cy="0"/>
+        </a:xfrm>
+      </p:grpSpPr>
+      <p:sp>
+        <p:nvSpPr>
+          <p:cNvPr id="2" name="Pladsholder til diasbillede 1"/>
+          <p:cNvSpPr>
+            <a:spLocks noGrp="1" noRot="1" noChangeAspect="1"/>
+          </p:cNvSpPr>
+          <p:nvPr>
+            <p:ph type="sldImg"/>
+          </p:nvPr>
+        </p:nvSpPr>
+        <p:spPr/>
+      </p:sp>
+      <p:sp>
+        <p:nvSpPr>
+          <p:cNvPr id="3" name="Pladsholder til noter 2"/>
+          <p:cNvSpPr>
+            <a:spLocks noGrp="1"/>
+          </p:cNvSpPr>
+          <p:nvPr>
+            <p:ph type="body" idx="1"/>
+          </p:nvPr>
+        </p:nvSpPr>
+        <p:spPr/>
+        <p:txBody>
+          <a:bodyPr>
+            <a:normAutofit/>
+          </a:bodyPr>
+          <a:lstStyle/>
+          <a:p>
+            <a:r>
+              <a:rPr lang="en-US" dirty="0" smtClean="0"/>
+              <a:t>Kasper</a:t>
+            </a:r>
+            <a:endParaRPr lang="en-US" dirty="0"/>
+          </a:p>
+        </p:txBody>
+      </p:sp>
+      <p:sp>
+        <p:nvSpPr>
+          <p:cNvPr id="4" name="Pladsholder til diasnummer 3"/>
+          <p:cNvSpPr>
+            <a:spLocks noGrp="1"/>
+          </p:cNvSpPr>
+          <p:nvPr>
+            <p:ph type="sldNum" sz="quarter" idx="10"/>
+          </p:nvPr>
+        </p:nvSpPr>
+        <p:spPr/>
+        <p:txBody>
+          <a:bodyPr/>
+          <a:lstStyle/>
+          <a:p>
+            <a:fld id="{F8197C54-A6DC-4C4A-97D6-FEF6F3221067}" type="slidenum">
+              <a:rPr lang="en-US" smtClean="0"/>
+              <a:t>9</a:t>
+            </a:fld>
+            <a:endParaRPr lang="en-US"/>
+          </a:p>
+        </p:txBody>
+      </p:sp>
+    </p:spTree>
+  </p:cSld>
+  <p:clrMapOvr>
+    <a:masterClrMapping/>
+  </p:clrMapOvr>
+</p:notes>
 </file>
 
 <file path=ppt/slideLayouts/slideLayout1.xml><?xml version="1.0" encoding="utf-8"?>
@@ -3078,7 +4363,7 @@
           <p:nvPr/>
         </p:nvPicPr>
         <p:blipFill>
-          <a:blip r:embed="rId2" cstate="print"/>
+          <a:blip r:embed="rId3" cstate="print"/>
           <a:srcRect/>
           <a:stretch>
             <a:fillRect/>
@@ -3347,7 +4632,23 @@
           <a:p>
             <a:r>
               <a:rPr lang="en-US" dirty="0" smtClean="0"/>
-              <a:t>Funny time/ good time/ giggles</a:t>
+              <a:t>Funny time/ </a:t>
+            </a:r>
+            <a:r>
+              <a:rPr lang="en-US" dirty="0" smtClean="0"/>
+              <a:t>for the </a:t>
+            </a:r>
+            <a:r>
+              <a:rPr lang="en-US" dirty="0" err="1" smtClean="0"/>
+              <a:t>lulz</a:t>
+            </a:r>
+            <a:r>
+              <a:rPr lang="en-US" dirty="0" smtClean="0"/>
+              <a:t>/ </a:t>
+            </a:r>
+            <a:r>
+              <a:rPr lang="en-US" dirty="0" smtClean="0"/>
+              <a:t>giggles</a:t>
             </a:r>
             <a:endParaRPr lang="en-US" dirty="0"/>
           </a:p>
@@ -3955,7 +5256,7 @@
           <p:nvPr/>
         </p:nvPicPr>
         <p:blipFill>
-          <a:blip r:embed="rId2" cstate="print"/>
+          <a:blip r:embed="rId3" cstate="print"/>
           <a:srcRect/>
           <a:stretch>
             <a:fillRect/>
@@ -4105,7 +5406,7 @@
           <p:nvPr/>
         </p:nvPicPr>
         <p:blipFill>
-          <a:blip r:embed="rId2" cstate="print"/>
+          <a:blip r:embed="rId3" cstate="print"/>
           <a:srcRect/>
           <a:stretch>
             <a:fillRect/>
@@ -4140,7 +5441,7 @@
           <p:nvPr/>
         </p:nvPicPr>
         <p:blipFill>
-          <a:blip r:embed="rId3" cstate="print"/>
+          <a:blip r:embed="rId4" cstate="print"/>
           <a:srcRect/>
           <a:stretch>
             <a:fillRect/>
@@ -4446,7 +5747,7 @@
           <p:nvPr/>
         </p:nvPicPr>
         <p:blipFill>
-          <a:blip r:embed="rId2" cstate="print"/>
+          <a:blip r:embed="rId3" cstate="print"/>
           <a:srcRect/>
           <a:stretch>
             <a:fillRect/>
@@ -4881,4 +6182,287 @@
   <a:objectDefaults/>
   <a:extraClrSchemeLst/>
 </a:theme>
+</file>
+
+<file path=ppt/theme/theme2.xml><?xml version="1.0" encoding="utf-8"?>
+<a:theme xmlns:a="http://schemas.openxmlformats.org/drawingml/2006/main" name="Kontortema">
+  <a:themeElements>
+    <a:clrScheme name="Kontor">
+      <a:dk1>
+        <a:sysClr val="windowText" lastClr="000000"/>
+      </a:dk1>
+      <a:lt1>
+        <a:sysClr val="window" lastClr="FFFFFF"/>
+      </a:lt1>
+      <a:dk2>
+        <a:srgbClr val="1F497D"/>
+      </a:dk2>
+      <a:lt2>
+        <a:srgbClr val="EEECE1"/>
+      </a:lt2>
+      <a:accent1>
+        <a:srgbClr val="4F81BD"/>
+      </a:accent1>
+      <a:accent2>
+        <a:srgbClr val="C0504D"/>
+      </a:accent2>
+      <a:accent3>
+        <a:srgbClr val="9BBB59"/>
+      </a:accent3>
+      <a:accent4>
+        <a:srgbClr val="8064A2"/>
+      </a:accent4>
+      <a:accent5>
+        <a:srgbClr val="4BACC6"/>
+      </a:accent5>
+      <a:accent6>
+        <a:srgbClr val="F79646"/>
+      </a:accent6>
+      <a:hlink>
+        <a:srgbClr val="0000FF"/>
+      </a:hlink>
+      <a:folHlink>
+        <a:srgbClr val="800080"/>
+      </a:folHlink>
+    </a:clrScheme>
+    <a:fontScheme name="Kontor">
+      <a:majorFont>
+        <a:latin typeface="Calibri"/>
+        <a:ea typeface=""/>
+        <a:cs typeface=""/>
+        <a:font script="Jpan" typeface="ＭＳ Ｐゴシック"/>
+        <a:font script="Hang" typeface="맑은 고딕"/>
+        <a:font script="Hans" typeface="宋体"/>
+        <a:font script="Hant" typeface="新細明體"/>
+        <a:font script="Arab" typeface="Times New Roman"/>
+        <a:font script="Hebr" typeface="Times New Roman"/>
+        <a:font script="Thai" typeface="Angsana New"/>
+        <a:font script="Ethi" typeface="Nyala"/>
+        <a:font script="Beng" typeface="Vrinda"/>
+        <a:font script="Gujr" typeface="Shruti"/>
+        <a:font script="Khmr" typeface="MoolBoran"/>
+        <a:font script="Knda" typeface="Tunga"/>
+        <a:font script="Guru" typeface="Raavi"/>
+        <a:font script="Cans" typeface="Euphemia"/>
+        <a:font script="Cher" typeface="Plantagenet Cherokee"/>
+        <a:font script="Yiii" typeface="Microsoft Yi Baiti"/>
+        <a:font script="Tibt" typeface="Microsoft Himalaya"/>
+        <a:font script="Thaa" typeface="MV Boli"/>
+        <a:font script="Deva" typeface="Mangal"/>
+        <a:font script="Telu" typeface="Gautami"/>
+        <a:font script="Taml" typeface="Latha"/>
+        <a:font script="Syrc" typeface="Estrangelo Edessa"/>
+        <a:font script="Orya" typeface="Kalinga"/>
+        <a:font script="Mlym" typeface="Kartika"/>
+        <a:font script="Laoo" typeface="DokChampa"/>
+        <a:font script="Sinh" typeface="Iskoola Pota"/>
+        <a:font script="Mong" typeface="Mongolian Baiti"/>
+        <a:font script="Viet" typeface="Times New Roman"/>
+        <a:font script="Uigh" typeface="Microsoft Uighur"/>
+      </a:majorFont>
+      <a:minorFont>
+        <a:latin typeface="Calibri"/>
+        <a:ea typeface=""/>
+        <a:cs typeface=""/>
+        <a:font script="Jpan" typeface="ＭＳ Ｐゴシック"/>
+        <a:font script="Hang" typeface="맑은 고딕"/>
+        <a:font script="Hans" typeface="宋体"/>
+        <a:font script="Hant" typeface="新細明體"/>
+        <a:font script="Arab" typeface="Arial"/>
+        <a:font script="Hebr" typeface="Arial"/>
+        <a:font script="Thai" typeface="Cordia New"/>
+        <a:font script="Ethi" typeface="Nyala"/>
+        <a:font script="Beng" typeface="Vrinda"/>
+        <a:font script="Gujr" typeface="Shruti"/>
+        <a:font script="Khmr" typeface="DaunPenh"/>
+        <a:font script="Knda" typeface="Tunga"/>
+        <a:font script="Guru" typeface="Raavi"/>
+        <a:font script="Cans" typeface="Euphemia"/>
+        <a:font script="Cher" typeface="Plantagenet Cherokee"/>
+        <a:font script="Yiii" typeface="Microsoft Yi Baiti"/>
+        <a:font script="Tibt" typeface="Microsoft Himalaya"/>
+        <a:font script="Thaa" typeface="MV Boli"/>
+        <a:font script="Deva" typeface="Mangal"/>
+        <a:font script="Telu" typeface="Gautami"/>
+        <a:font script="Taml" typeface="Latha"/>
+        <a:font script="Syrc" typeface="Estrangelo Edessa"/>
+        <a:font script="Orya" typeface="Kalinga"/>
+        <a:font script="Mlym" typeface="Kartika"/>
+        <a:font script="Laoo" typeface="DokChampa"/>
+        <a:font script="Sinh" typeface="Iskoola Pota"/>
+        <a:font script="Mong" typeface="Mongolian Baiti"/>
+        <a:font script="Viet" typeface="Arial"/>
+        <a:font script="Uigh" typeface="Microsoft Uighur"/>
+      </a:minorFont>
+    </a:fontScheme>
+    <a:fmtScheme name="Kontor">
+      <a:fillStyleLst>
+        <a:solidFill>
+          <a:schemeClr val="phClr"/>
+        </a:solidFill>
+        <a:gradFill rotWithShape="1">
+          <a:gsLst>
+            <a:gs pos="0">
+              <a:schemeClr val="phClr">
+                <a:tint val="50000"/>
+                <a:satMod val="300000"/>
+              </a:schemeClr>
+            </a:gs>
+            <a:gs pos="35000">
+              <a:schemeClr val="phClr">
+                <a:tint val="37000"/>
+                <a:satMod val="300000"/>
+              </a:schemeClr>
+            </a:gs>
+            <a:gs pos="100000">
+              <a:schemeClr val="phClr">
+                <a:tint val="15000"/>
+                <a:satMod val="350000"/>
+              </a:schemeClr>
+            </a:gs>
+          </a:gsLst>
+          <a:lin ang="16200000" scaled="1"/>
+        </a:gradFill>
+        <a:gradFill rotWithShape="1">
+          <a:gsLst>
+            <a:gs pos="0">
+              <a:schemeClr val="phClr">
+                <a:shade val="51000"/>
+                <a:satMod val="130000"/>
+              </a:schemeClr>
+            </a:gs>
+            <a:gs pos="80000">
+              <a:schemeClr val="phClr">
+                <a:shade val="93000"/>
+                <a:satMod val="130000"/>
+              </a:schemeClr>
+            </a:gs>
+            <a:gs pos="100000">
+              <a:schemeClr val="phClr">
+                <a:shade val="94000"/>
+                <a:satMod val="135000"/>
+              </a:schemeClr>
+            </a:gs>
+          </a:gsLst>
+          <a:lin ang="16200000" scaled="0"/>
+        </a:gradFill>
+      </a:fillStyleLst>
+      <a:lnStyleLst>
+        <a:ln w="9525" cap="flat" cmpd="sng" algn="ctr">
+          <a:solidFill>
+            <a:schemeClr val="phClr">
+              <a:shade val="95000"/>
+              <a:satMod val="105000"/>
+            </a:schemeClr>
+          </a:solidFill>
+          <a:prstDash val="solid"/>
+        </a:ln>
+        <a:ln w="25400" cap="flat" cmpd="sng" algn="ctr">
+          <a:solidFill>
+            <a:schemeClr val="phClr"/>
+          </a:solidFill>
+          <a:prstDash val="solid"/>
+        </a:ln>
+        <a:ln w="38100" cap="flat" cmpd="sng" algn="ctr">
+          <a:solidFill>
+            <a:schemeClr val="phClr"/>
+          </a:solidFill>
+          <a:prstDash val="solid"/>
+        </a:ln>
+      </a:lnStyleLst>
+      <a:effectStyleLst>
+        <a:effectStyle>
+          <a:effectLst>
+            <a:outerShdw blurRad="40000" dist="20000" dir="5400000" rotWithShape="0">
+              <a:srgbClr val="000000">
+                <a:alpha val="38000"/>
+              </a:srgbClr>
+            </a:outerShdw>
+          </a:effectLst>
+        </a:effectStyle>
+        <a:effectStyle>
+          <a:effectLst>
+            <a:outerShdw blurRad="40000" dist="23000" dir="5400000" rotWithShape="0">
+              <a:srgbClr val="000000">
+                <a:alpha val="35000"/>
+              </a:srgbClr>
+            </a:outerShdw>
+          </a:effectLst>
+        </a:effectStyle>
+        <a:effectStyle>
+          <a:effectLst>
+            <a:outerShdw blurRad="40000" dist="23000" dir="5400000" rotWithShape="0">
+              <a:srgbClr val="000000">
+                <a:alpha val="35000"/>
+              </a:srgbClr>
+            </a:outerShdw>
+          </a:effectLst>
+          <a:scene3d>
+            <a:camera prst="orthographicFront">
+              <a:rot lat="0" lon="0" rev="0"/>
+            </a:camera>
+            <a:lightRig rig="threePt" dir="t">
+              <a:rot lat="0" lon="0" rev="1200000"/>
+            </a:lightRig>
+          </a:scene3d>
+          <a:sp3d>
+            <a:bevelT w="63500" h="25400"/>
+          </a:sp3d>
+        </a:effectStyle>
+      </a:effectStyleLst>
+      <a:bgFillStyleLst>
+        <a:solidFill>
+          <a:schemeClr val="phClr"/>
+        </a:solidFill>
+        <a:gradFill rotWithShape="1">
+          <a:gsLst>
+            <a:gs pos="0">
+              <a:schemeClr val="phClr">
+                <a:tint val="40000"/>
+                <a:satMod val="350000"/>
+              </a:schemeClr>
+            </a:gs>
+            <a:gs pos="40000">
+              <a:schemeClr val="phClr">
+                <a:tint val="45000"/>
+                <a:shade val="99000"/>
+                <a:satMod val="350000"/>
+              </a:schemeClr>
+            </a:gs>
+            <a:gs pos="100000">
+              <a:schemeClr val="phClr">
+                <a:shade val="20000"/>
+                <a:satMod val="255000"/>
+              </a:schemeClr>
+            </a:gs>
+          </a:gsLst>
+          <a:path path="circle">
+            <a:fillToRect l="50000" t="-80000" r="50000" b="180000"/>
+          </a:path>
+        </a:gradFill>
+        <a:gradFill rotWithShape="1">
+          <a:gsLst>
+            <a:gs pos="0">
+              <a:schemeClr val="phClr">
+                <a:tint val="80000"/>
+                <a:satMod val="300000"/>
+              </a:schemeClr>
+            </a:gs>
+            <a:gs pos="100000">
+              <a:schemeClr val="phClr">
+                <a:shade val="30000"/>
+                <a:satMod val="200000"/>
+              </a:schemeClr>
+            </a:gs>
+          </a:gsLst>
+          <a:path path="circle">
+            <a:fillToRect l="50000" t="50000" r="50000" b="50000"/>
+          </a:path>
+        </a:gradFill>
+      </a:bgFillStyleLst>
+    </a:fmtScheme>
+  </a:themeElements>
+  <a:objectDefaults/>
+  <a:extraClrSchemeLst/>
+</a:theme>
 </file>
--- a/trunk/PP for status.pptx
+++ b/trunk/PP for status.pptx
@@ -202,6 +202,7 @@
           <a:p>
             <a:fld id="{0921F56D-D4F6-4B67-B7FF-13654BE22F3F}" type="datetimeFigureOut">
               <a:rPr lang="en-US" smtClean="0"/>
+              <a:pPr/>
               <a:t>3/30/2012</a:t>
             </a:fld>
             <a:endParaRPr lang="en-US"/>
@@ -363,6 +364,7 @@
           <a:p>
             <a:fld id="{F8197C54-A6DC-4C4A-97D6-FEF6F3221067}" type="slidenum">
               <a:rPr lang="en-US" smtClean="0"/>
+              <a:pPr/>
               <a:t>‹nr.›</a:t>
             </a:fld>
             <a:endParaRPr lang="en-US"/>
@@ -538,6 +540,7 @@
           <a:p>
             <a:fld id="{F8197C54-A6DC-4C4A-97D6-FEF6F3221067}" type="slidenum">
               <a:rPr lang="en-US" smtClean="0"/>
+              <a:pPr/>
               <a:t>1</a:t>
             </a:fld>
             <a:endParaRPr lang="en-US"/>
@@ -623,6 +626,7 @@
           <a:p>
             <a:fld id="{F8197C54-A6DC-4C4A-97D6-FEF6F3221067}" type="slidenum">
               <a:rPr lang="en-US" smtClean="0"/>
+              <a:pPr/>
               <a:t>10</a:t>
             </a:fld>
             <a:endParaRPr lang="en-US"/>
@@ -708,6 +712,7 @@
           <a:p>
             <a:fld id="{F8197C54-A6DC-4C4A-97D6-FEF6F3221067}" type="slidenum">
               <a:rPr lang="en-US" smtClean="0"/>
+              <a:pPr/>
               <a:t>11</a:t>
             </a:fld>
             <a:endParaRPr lang="en-US"/>
@@ -793,6 +798,7 @@
           <a:p>
             <a:fld id="{F8197C54-A6DC-4C4A-97D6-FEF6F3221067}" type="slidenum">
               <a:rPr lang="en-US" smtClean="0"/>
+              <a:pPr/>
               <a:t>2</a:t>
             </a:fld>
             <a:endParaRPr lang="en-US"/>
@@ -878,6 +884,7 @@
           <a:p>
             <a:fld id="{F8197C54-A6DC-4C4A-97D6-FEF6F3221067}" type="slidenum">
               <a:rPr lang="en-US" smtClean="0"/>
+              <a:pPr/>
               <a:t>3</a:t>
             </a:fld>
             <a:endParaRPr lang="en-US"/>
@@ -963,6 +970,7 @@
           <a:p>
             <a:fld id="{F8197C54-A6DC-4C4A-97D6-FEF6F3221067}" type="slidenum">
               <a:rPr lang="en-US" smtClean="0"/>
+              <a:pPr/>
               <a:t>4</a:t>
             </a:fld>
             <a:endParaRPr lang="en-US"/>
@@ -1048,6 +1056,7 @@
           <a:p>
             <a:fld id="{F8197C54-A6DC-4C4A-97D6-FEF6F3221067}" type="slidenum">
               <a:rPr lang="en-US" smtClean="0"/>
+              <a:pPr/>
               <a:t>5</a:t>
             </a:fld>
             <a:endParaRPr lang="en-US"/>
@@ -1133,6 +1142,7 @@
           <a:p>
             <a:fld id="{F8197C54-A6DC-4C4A-97D6-FEF6F3221067}" type="slidenum">
               <a:rPr lang="en-US" smtClean="0"/>
+              <a:pPr/>
               <a:t>6</a:t>
             </a:fld>
             <a:endParaRPr lang="en-US"/>
@@ -1218,6 +1228,7 @@
           <a:p>
             <a:fld id="{F8197C54-A6DC-4C4A-97D6-FEF6F3221067}" type="slidenum">
               <a:rPr lang="en-US" smtClean="0"/>
+              <a:pPr/>
               <a:t>7</a:t>
             </a:fld>
             <a:endParaRPr lang="en-US"/>
@@ -1303,6 +1314,7 @@
           <a:p>
             <a:fld id="{F8197C54-A6DC-4C4A-97D6-FEF6F3221067}" type="slidenum">
               <a:rPr lang="en-US" smtClean="0"/>
+              <a:pPr/>
               <a:t>8</a:t>
             </a:fld>
             <a:endParaRPr lang="en-US"/>
@@ -1388,6 +1400,7 @@
           <a:p>
             <a:fld id="{F8197C54-A6DC-4C4A-97D6-FEF6F3221067}" type="slidenum">
               <a:rPr lang="en-US" smtClean="0"/>
+              <a:pPr/>
               <a:t>9</a:t>
             </a:fld>
             <a:endParaRPr lang="en-US"/>
@@ -4438,11 +4451,15 @@
           <a:p>
             <a:r>
               <a:rPr lang="en-US" dirty="0" smtClean="0"/>
-              <a:t>Group 130: Christian </a:t>
-            </a:r>
-            <a:r>
-              <a:rPr lang="en-US" dirty="0" err="1" smtClean="0"/>
-              <a:t>O’keeffe</a:t>
+              <a:t>Group 130: </a:t>
+            </a:r>
+            <a:r>
+              <a:rPr lang="en-US" smtClean="0"/>
+              <a:t>Christian </a:t>
+            </a:r>
+            <a:r>
+              <a:rPr lang="en-US" smtClean="0"/>
+              <a:t>O’Keeffe</a:t>
             </a:r>
             <a:r>
               <a:rPr lang="en-US" dirty="0" smtClean="0"/>
@@ -4632,11 +4649,7 @@
           <a:p>
             <a:r>
               <a:rPr lang="en-US" dirty="0" smtClean="0"/>
-              <a:t>Funny time/ </a:t>
-            </a:r>
-            <a:r>
-              <a:rPr lang="en-US" dirty="0" smtClean="0"/>
-              <a:t>for the </a:t>
+              <a:t>Funny time/ for the </a:t>
             </a:r>
             <a:r>
               <a:rPr lang="en-US" dirty="0" err="1" smtClean="0"/>
@@ -4644,11 +4657,7 @@
             </a:r>
             <a:r>
               <a:rPr lang="en-US" dirty="0" smtClean="0"/>
-              <a:t>/ </a:t>
-            </a:r>
-            <a:r>
-              <a:rPr lang="en-US" dirty="0" smtClean="0"/>
-              <a:t>giggles</a:t>
+              <a:t>/ giggles</a:t>
             </a:r>
             <a:endParaRPr lang="en-US" dirty="0"/>
           </a:p>

--- a/trunk/PP for status.pptx
+++ b/trunk/PP for status.pptx
@@ -203,7 +203,7 @@
             <a:fld id="{0921F56D-D4F6-4B67-B7FF-13654BE22F3F}" type="datetimeFigureOut">
               <a:rPr lang="en-US" smtClean="0"/>
               <a:pPr/>
-              <a:t>3/30/2012</a:t>
+              <a:t>4/2/2012</a:t>
             </a:fld>
             <a:endParaRPr lang="en-US"/>
           </a:p>
@@ -372,6 +372,11 @@
         </p:txBody>
       </p:sp>
     </p:spTree>
+    <p:extLst>
+      <p:ext uri="{BB962C8B-B14F-4D97-AF65-F5344CB8AC3E}">
+        <p14:creationId xmlns:p14="http://schemas.microsoft.com/office/powerpoint/2010/main" val="569669158"/>
+      </p:ext>
+    </p:extLst>
   </p:cSld>
   <p:clrMap bg1="lt1" tx1="dk1" bg2="lt2" tx2="dk2" accent1="accent1" accent2="accent2" accent3="accent3" accent4="accent4" accent5="accent5" accent6="accent6" hlink="hlink" folHlink="folHlink"/>
   <p:notesStyle>
@@ -1597,7 +1602,7 @@
             <a:fld id="{32C8CC70-CFD8-486E-993B-1DD24411B2F4}" type="datetimeFigureOut">
               <a:rPr lang="da-DK" smtClean="0"/>
               <a:pPr/>
-              <a:t>30-03-2012</a:t>
+              <a:t>02-04-2012</a:t>
             </a:fld>
             <a:endParaRPr lang="da-DK" dirty="0"/>
           </a:p>
@@ -1764,7 +1769,7 @@
             <a:fld id="{32C8CC70-CFD8-486E-993B-1DD24411B2F4}" type="datetimeFigureOut">
               <a:rPr lang="da-DK" smtClean="0"/>
               <a:pPr/>
-              <a:t>30-03-2012</a:t>
+              <a:t>02-04-2012</a:t>
             </a:fld>
             <a:endParaRPr lang="da-DK" dirty="0"/>
           </a:p>
@@ -1941,7 +1946,7 @@
             <a:fld id="{32C8CC70-CFD8-486E-993B-1DD24411B2F4}" type="datetimeFigureOut">
               <a:rPr lang="da-DK" smtClean="0"/>
               <a:pPr/>
-              <a:t>30-03-2012</a:t>
+              <a:t>02-04-2012</a:t>
             </a:fld>
             <a:endParaRPr lang="da-DK" dirty="0"/>
           </a:p>
@@ -2108,7 +2113,7 @@
             <a:fld id="{32C8CC70-CFD8-486E-993B-1DD24411B2F4}" type="datetimeFigureOut">
               <a:rPr lang="da-DK" smtClean="0"/>
               <a:pPr/>
-              <a:t>30-03-2012</a:t>
+              <a:t>02-04-2012</a:t>
             </a:fld>
             <a:endParaRPr lang="da-DK" dirty="0"/>
           </a:p>
@@ -2351,7 +2356,7 @@
             <a:fld id="{32C8CC70-CFD8-486E-993B-1DD24411B2F4}" type="datetimeFigureOut">
               <a:rPr lang="da-DK" smtClean="0"/>
               <a:pPr/>
-              <a:t>30-03-2012</a:t>
+              <a:t>02-04-2012</a:t>
             </a:fld>
             <a:endParaRPr lang="da-DK" dirty="0"/>
           </a:p>
@@ -2636,7 +2641,7 @@
             <a:fld id="{32C8CC70-CFD8-486E-993B-1DD24411B2F4}" type="datetimeFigureOut">
               <a:rPr lang="da-DK" smtClean="0"/>
               <a:pPr/>
-              <a:t>30-03-2012</a:t>
+              <a:t>02-04-2012</a:t>
             </a:fld>
             <a:endParaRPr lang="da-DK" dirty="0"/>
           </a:p>
@@ -3055,7 +3060,7 @@
             <a:fld id="{32C8CC70-CFD8-486E-993B-1DD24411B2F4}" type="datetimeFigureOut">
               <a:rPr lang="da-DK" smtClean="0"/>
               <a:pPr/>
-              <a:t>30-03-2012</a:t>
+              <a:t>02-04-2012</a:t>
             </a:fld>
             <a:endParaRPr lang="da-DK" dirty="0"/>
           </a:p>
@@ -3170,7 +3175,7 @@
             <a:fld id="{32C8CC70-CFD8-486E-993B-1DD24411B2F4}" type="datetimeFigureOut">
               <a:rPr lang="da-DK" smtClean="0"/>
               <a:pPr/>
-              <a:t>30-03-2012</a:t>
+              <a:t>02-04-2012</a:t>
             </a:fld>
             <a:endParaRPr lang="da-DK" dirty="0"/>
           </a:p>
@@ -3262,7 +3267,7 @@
             <a:fld id="{32C8CC70-CFD8-486E-993B-1DD24411B2F4}" type="datetimeFigureOut">
               <a:rPr lang="da-DK" smtClean="0"/>
               <a:pPr/>
-              <a:t>30-03-2012</a:t>
+              <a:t>02-04-2012</a:t>
             </a:fld>
             <a:endParaRPr lang="da-DK" dirty="0"/>
           </a:p>
@@ -3536,7 +3541,7 @@
             <a:fld id="{32C8CC70-CFD8-486E-993B-1DD24411B2F4}" type="datetimeFigureOut">
               <a:rPr lang="da-DK" smtClean="0"/>
               <a:pPr/>
-              <a:t>30-03-2012</a:t>
+              <a:t>02-04-2012</a:t>
             </a:fld>
             <a:endParaRPr lang="da-DK" dirty="0"/>
           </a:p>
@@ -3786,7 +3791,7 @@
             <a:fld id="{32C8CC70-CFD8-486E-993B-1DD24411B2F4}" type="datetimeFigureOut">
               <a:rPr lang="da-DK" smtClean="0"/>
               <a:pPr/>
-              <a:t>30-03-2012</a:t>
+              <a:t>02-04-2012</a:t>
             </a:fld>
             <a:endParaRPr lang="da-DK" dirty="0"/>
           </a:p>
@@ -3996,7 +4001,7 @@
             <a:fld id="{32C8CC70-CFD8-486E-993B-1DD24411B2F4}" type="datetimeFigureOut">
               <a:rPr lang="da-DK" smtClean="0"/>
               <a:pPr/>
-              <a:t>30-03-2012</a:t>
+              <a:t>02-04-2012</a:t>
             </a:fld>
             <a:endParaRPr lang="da-DK" dirty="0"/>
           </a:p>
@@ -4455,11 +4460,7 @@
             </a:r>
             <a:r>
               <a:rPr lang="en-US" smtClean="0"/>
-              <a:t>Christian </a:t>
-            </a:r>
-            <a:r>
-              <a:rPr lang="en-US" smtClean="0"/>
-              <a:t>O’Keeffe</a:t>
+              <a:t>Christian O’Keeffe</a:t>
             </a:r>
             <a:r>
               <a:rPr lang="en-US" dirty="0" smtClean="0"/>
@@ -5634,9 +5635,14 @@
           </a:p>
           <a:p>
             <a:r>
-              <a:rPr lang="en-US" dirty="0" smtClean="0"/>
-              <a:t>Problem selection</a:t>
-            </a:r>
+              <a:rPr lang="en-US" smtClean="0"/>
+              <a:t>Solution </a:t>
+            </a:r>
+            <a:r>
+              <a:rPr lang="en-US" dirty="0" smtClean="0"/>
+              <a:t>selection</a:t>
+            </a:r>
+            <a:endParaRPr lang="en-US" dirty="0" smtClean="0"/>
           </a:p>
           <a:p>
             <a:pPr lvl="1"/>

--- a/trunk/PP for status.pptx
+++ b/trunk/PP for status.pptx
@@ -1599,9 +1599,8 @@
           <a:bodyPr/>
           <a:lstStyle/>
           <a:p>
-            <a:fld id="{32C8CC70-CFD8-486E-993B-1DD24411B2F4}" type="datetimeFigureOut">
-              <a:rPr lang="da-DK" smtClean="0"/>
-              <a:pPr/>
+            <a:fld id="{08447D91-F3BF-4566-B747-6187C1E8517E}" type="datetime1">
+              <a:rPr lang="da-DK" smtClean="0"/>
               <a:t>02-04-2012</a:t>
             </a:fld>
             <a:endParaRPr lang="da-DK" dirty="0"/>
@@ -1766,9 +1765,8 @@
           <a:bodyPr/>
           <a:lstStyle/>
           <a:p>
-            <a:fld id="{32C8CC70-CFD8-486E-993B-1DD24411B2F4}" type="datetimeFigureOut">
-              <a:rPr lang="da-DK" smtClean="0"/>
-              <a:pPr/>
+            <a:fld id="{0F2F684F-49A2-4A02-855B-28BE0A2A2BCD}" type="datetime1">
+              <a:rPr lang="da-DK" smtClean="0"/>
               <a:t>02-04-2012</a:t>
             </a:fld>
             <a:endParaRPr lang="da-DK" dirty="0"/>
@@ -1943,9 +1941,8 @@
           <a:bodyPr/>
           <a:lstStyle/>
           <a:p>
-            <a:fld id="{32C8CC70-CFD8-486E-993B-1DD24411B2F4}" type="datetimeFigureOut">
-              <a:rPr lang="da-DK" smtClean="0"/>
-              <a:pPr/>
+            <a:fld id="{25A64542-3CDC-46E6-80DA-C09A434B19CC}" type="datetime1">
+              <a:rPr lang="da-DK" smtClean="0"/>
               <a:t>02-04-2012</a:t>
             </a:fld>
             <a:endParaRPr lang="da-DK" dirty="0"/>
@@ -2110,9 +2107,8 @@
           <a:bodyPr/>
           <a:lstStyle/>
           <a:p>
-            <a:fld id="{32C8CC70-CFD8-486E-993B-1DD24411B2F4}" type="datetimeFigureOut">
-              <a:rPr lang="da-DK" smtClean="0"/>
-              <a:pPr/>
+            <a:fld id="{2F8ECC64-248A-4E97-A4D9-EFC84D313B86}" type="datetime1">
+              <a:rPr lang="da-DK" smtClean="0"/>
               <a:t>02-04-2012</a:t>
             </a:fld>
             <a:endParaRPr lang="da-DK" dirty="0"/>
@@ -2353,9 +2349,8 @@
           <a:bodyPr/>
           <a:lstStyle/>
           <a:p>
-            <a:fld id="{32C8CC70-CFD8-486E-993B-1DD24411B2F4}" type="datetimeFigureOut">
-              <a:rPr lang="da-DK" smtClean="0"/>
-              <a:pPr/>
+            <a:fld id="{D66CBFDE-F8E7-4BDD-B777-49BF31F10D74}" type="datetime1">
+              <a:rPr lang="da-DK" smtClean="0"/>
               <a:t>02-04-2012</a:t>
             </a:fld>
             <a:endParaRPr lang="da-DK" dirty="0"/>
@@ -2638,9 +2633,8 @@
           <a:bodyPr/>
           <a:lstStyle/>
           <a:p>
-            <a:fld id="{32C8CC70-CFD8-486E-993B-1DD24411B2F4}" type="datetimeFigureOut">
-              <a:rPr lang="da-DK" smtClean="0"/>
-              <a:pPr/>
+            <a:fld id="{6E878692-4FCD-40EB-9065-A548F2D5214F}" type="datetime1">
+              <a:rPr lang="da-DK" smtClean="0"/>
               <a:t>02-04-2012</a:t>
             </a:fld>
             <a:endParaRPr lang="da-DK" dirty="0"/>
@@ -3057,9 +3051,8 @@
           <a:bodyPr/>
           <a:lstStyle/>
           <a:p>
-            <a:fld id="{32C8CC70-CFD8-486E-993B-1DD24411B2F4}" type="datetimeFigureOut">
-              <a:rPr lang="da-DK" smtClean="0"/>
-              <a:pPr/>
+            <a:fld id="{E85F7E87-0C3D-46CB-94AC-049F4B50D846}" type="datetime1">
+              <a:rPr lang="da-DK" smtClean="0"/>
               <a:t>02-04-2012</a:t>
             </a:fld>
             <a:endParaRPr lang="da-DK" dirty="0"/>
@@ -3172,9 +3165,8 @@
           <a:bodyPr/>
           <a:lstStyle/>
           <a:p>
-            <a:fld id="{32C8CC70-CFD8-486E-993B-1DD24411B2F4}" type="datetimeFigureOut">
-              <a:rPr lang="da-DK" smtClean="0"/>
-              <a:pPr/>
+            <a:fld id="{1AB75EDB-07A2-4B8A-8404-81B814B482F3}" type="datetime1">
+              <a:rPr lang="da-DK" smtClean="0"/>
               <a:t>02-04-2012</a:t>
             </a:fld>
             <a:endParaRPr lang="da-DK" dirty="0"/>
@@ -3264,9 +3256,8 @@
           <a:bodyPr/>
           <a:lstStyle/>
           <a:p>
-            <a:fld id="{32C8CC70-CFD8-486E-993B-1DD24411B2F4}" type="datetimeFigureOut">
-              <a:rPr lang="da-DK" smtClean="0"/>
-              <a:pPr/>
+            <a:fld id="{287D9A2F-BF45-4BF0-9253-2E441D15B57C}" type="datetime1">
+              <a:rPr lang="da-DK" smtClean="0"/>
               <a:t>02-04-2012</a:t>
             </a:fld>
             <a:endParaRPr lang="da-DK" dirty="0"/>
@@ -3538,9 +3529,8 @@
           <a:bodyPr/>
           <a:lstStyle/>
           <a:p>
-            <a:fld id="{32C8CC70-CFD8-486E-993B-1DD24411B2F4}" type="datetimeFigureOut">
-              <a:rPr lang="da-DK" smtClean="0"/>
-              <a:pPr/>
+            <a:fld id="{46D26196-8EDF-443C-8056-1AD9E209A253}" type="datetime1">
+              <a:rPr lang="da-DK" smtClean="0"/>
               <a:t>02-04-2012</a:t>
             </a:fld>
             <a:endParaRPr lang="da-DK" dirty="0"/>
@@ -3788,9 +3778,8 @@
           <a:bodyPr/>
           <a:lstStyle/>
           <a:p>
-            <a:fld id="{32C8CC70-CFD8-486E-993B-1DD24411B2F4}" type="datetimeFigureOut">
-              <a:rPr lang="da-DK" smtClean="0"/>
-              <a:pPr/>
+            <a:fld id="{A4DAB116-0CCA-4E9E-BC57-8433291494A3}" type="datetime1">
+              <a:rPr lang="da-DK" smtClean="0"/>
               <a:t>02-04-2012</a:t>
             </a:fld>
             <a:endParaRPr lang="da-DK" dirty="0"/>
@@ -3998,9 +3987,8 @@
             </a:lvl1pPr>
           </a:lstStyle>
           <a:p>
-            <a:fld id="{32C8CC70-CFD8-486E-993B-1DD24411B2F4}" type="datetimeFigureOut">
-              <a:rPr lang="da-DK" smtClean="0"/>
-              <a:pPr/>
+            <a:fld id="{82FBDEDA-8D63-444B-88AE-30ADA489460C}" type="datetime1">
+              <a:rPr lang="da-DK" smtClean="0"/>
               <a:t>02-04-2012</a:t>
             </a:fld>
             <a:endParaRPr lang="da-DK" dirty="0"/>
@@ -4102,6 +4090,7 @@
     <p:sldLayoutId id="2147483658" r:id="rId10"/>
     <p:sldLayoutId id="2147483659" r:id="rId11"/>
   </p:sldLayoutIdLst>
+  <p:hf hdr="0" ftr="0" dt="0"/>
   <p:txStyles>
     <p:titleStyle>
       <a:lvl1pPr algn="ctr" defTabSz="914400" rtl="0" eaLnBrk="1" latinLnBrk="0" hangingPunct="1">
@@ -4560,6 +4549,30 @@
           </a:p>
         </p:txBody>
       </p:sp>
+      <p:sp>
+        <p:nvSpPr>
+          <p:cNvPr id="4" name="Pladsholder til diasnummer 3"/>
+          <p:cNvSpPr>
+            <a:spLocks noGrp="1"/>
+          </p:cNvSpPr>
+          <p:nvPr>
+            <p:ph type="sldNum" sz="quarter" idx="12"/>
+          </p:nvPr>
+        </p:nvSpPr>
+        <p:spPr/>
+        <p:txBody>
+          <a:bodyPr/>
+          <a:lstStyle/>
+          <a:p>
+            <a:fld id="{7D661DEA-B7EC-46AE-A3F9-A4DDF5226607}" type="slidenum">
+              <a:rPr lang="da-DK" smtClean="0"/>
+              <a:pPr/>
+              <a:t>1</a:t>
+            </a:fld>
+            <a:endParaRPr lang="da-DK" dirty="0"/>
+          </a:p>
+        </p:txBody>
+      </p:sp>
     </p:spTree>
   </p:cSld>
   <p:clrMapOvr>
@@ -4664,6 +4677,30 @@
           </a:p>
         </p:txBody>
       </p:sp>
+      <p:sp>
+        <p:nvSpPr>
+          <p:cNvPr id="4" name="Pladsholder til diasnummer 3"/>
+          <p:cNvSpPr>
+            <a:spLocks noGrp="1"/>
+          </p:cNvSpPr>
+          <p:nvPr>
+            <p:ph type="sldNum" sz="quarter" idx="12"/>
+          </p:nvPr>
+        </p:nvSpPr>
+        <p:spPr/>
+        <p:txBody>
+          <a:bodyPr/>
+          <a:lstStyle/>
+          <a:p>
+            <a:fld id="{7D661DEA-B7EC-46AE-A3F9-A4DDF5226607}" type="slidenum">
+              <a:rPr lang="da-DK" smtClean="0"/>
+              <a:pPr/>
+              <a:t>10</a:t>
+            </a:fld>
+            <a:endParaRPr lang="da-DK" dirty="0"/>
+          </a:p>
+        </p:txBody>
+      </p:sp>
     </p:spTree>
   </p:cSld>
   <p:clrMapOvr>
@@ -4759,6 +4796,30 @@
           </a:p>
         </p:txBody>
       </p:sp>
+      <p:sp>
+        <p:nvSpPr>
+          <p:cNvPr id="4" name="Pladsholder til diasnummer 3"/>
+          <p:cNvSpPr>
+            <a:spLocks noGrp="1"/>
+          </p:cNvSpPr>
+          <p:nvPr>
+            <p:ph type="sldNum" sz="quarter" idx="12"/>
+          </p:nvPr>
+        </p:nvSpPr>
+        <p:spPr/>
+        <p:txBody>
+          <a:bodyPr/>
+          <a:lstStyle/>
+          <a:p>
+            <a:fld id="{7D661DEA-B7EC-46AE-A3F9-A4DDF5226607}" type="slidenum">
+              <a:rPr lang="da-DK" smtClean="0"/>
+              <a:pPr/>
+              <a:t>11</a:t>
+            </a:fld>
+            <a:endParaRPr lang="da-DK" dirty="0"/>
+          </a:p>
+        </p:txBody>
+      </p:sp>
     </p:spTree>
   </p:cSld>
   <p:clrMapOvr>
@@ -4911,6 +4972,30 @@
           </a:p>
         </p:txBody>
       </p:sp>
+      <p:sp>
+        <p:nvSpPr>
+          <p:cNvPr id="4" name="Pladsholder til diasnummer 3"/>
+          <p:cNvSpPr>
+            <a:spLocks noGrp="1"/>
+          </p:cNvSpPr>
+          <p:nvPr>
+            <p:ph type="sldNum" sz="quarter" idx="12"/>
+          </p:nvPr>
+        </p:nvSpPr>
+        <p:spPr/>
+        <p:txBody>
+          <a:bodyPr/>
+          <a:lstStyle/>
+          <a:p>
+            <a:fld id="{7D661DEA-B7EC-46AE-A3F9-A4DDF5226607}" type="slidenum">
+              <a:rPr lang="da-DK" smtClean="0"/>
+              <a:pPr/>
+              <a:t>2</a:t>
+            </a:fld>
+            <a:endParaRPr lang="da-DK" dirty="0"/>
+          </a:p>
+        </p:txBody>
+      </p:sp>
     </p:spTree>
   </p:cSld>
   <p:clrMapOvr>
@@ -5023,6 +5108,30 @@
           </a:p>
         </p:txBody>
       </p:sp>
+      <p:sp>
+        <p:nvSpPr>
+          <p:cNvPr id="4" name="Pladsholder til diasnummer 3"/>
+          <p:cNvSpPr>
+            <a:spLocks noGrp="1"/>
+          </p:cNvSpPr>
+          <p:nvPr>
+            <p:ph type="sldNum" sz="quarter" idx="12"/>
+          </p:nvPr>
+        </p:nvSpPr>
+        <p:spPr/>
+        <p:txBody>
+          <a:bodyPr/>
+          <a:lstStyle/>
+          <a:p>
+            <a:fld id="{7D661DEA-B7EC-46AE-A3F9-A4DDF5226607}" type="slidenum">
+              <a:rPr lang="da-DK" smtClean="0"/>
+              <a:pPr/>
+              <a:t>3</a:t>
+            </a:fld>
+            <a:endParaRPr lang="da-DK" dirty="0"/>
+          </a:p>
+        </p:txBody>
+      </p:sp>
     </p:spTree>
   </p:cSld>
   <p:clrMapOvr>
@@ -5148,6 +5257,30 @@
               <a:t>Used for describing the problem</a:t>
             </a:r>
             <a:endParaRPr lang="en-US" sz="2800" dirty="0"/>
+          </a:p>
+        </p:txBody>
+      </p:sp>
+      <p:sp>
+        <p:nvSpPr>
+          <p:cNvPr id="4" name="Pladsholder til diasnummer 3"/>
+          <p:cNvSpPr>
+            <a:spLocks noGrp="1"/>
+          </p:cNvSpPr>
+          <p:nvPr>
+            <p:ph type="sldNum" sz="quarter" idx="12"/>
+          </p:nvPr>
+        </p:nvSpPr>
+        <p:spPr/>
+        <p:txBody>
+          <a:bodyPr/>
+          <a:lstStyle/>
+          <a:p>
+            <a:fld id="{7D661DEA-B7EC-46AE-A3F9-A4DDF5226607}" type="slidenum">
+              <a:rPr lang="da-DK" smtClean="0"/>
+              <a:pPr/>
+              <a:t>4</a:t>
+            </a:fld>
+            <a:endParaRPr lang="da-DK" dirty="0"/>
           </a:p>
         </p:txBody>
       </p:sp>
@@ -5319,6 +5452,30 @@
               <a:t>Figure 1:  Representing an unsorted luggage list , source [2]</a:t>
             </a:r>
             <a:endParaRPr lang="en-US" dirty="0"/>
+          </a:p>
+        </p:txBody>
+      </p:sp>
+      <p:sp>
+        <p:nvSpPr>
+          <p:cNvPr id="4" name="Pladsholder til diasnummer 3"/>
+          <p:cNvSpPr>
+            <a:spLocks noGrp="1"/>
+          </p:cNvSpPr>
+          <p:nvPr>
+            <p:ph type="sldNum" sz="quarter" idx="12"/>
+          </p:nvPr>
+        </p:nvSpPr>
+        <p:spPr/>
+        <p:txBody>
+          <a:bodyPr/>
+          <a:lstStyle/>
+          <a:p>
+            <a:fld id="{7D661DEA-B7EC-46AE-A3F9-A4DDF5226607}" type="slidenum">
+              <a:rPr lang="da-DK" smtClean="0"/>
+              <a:pPr/>
+              <a:t>5</a:t>
+            </a:fld>
+            <a:endParaRPr lang="da-DK" dirty="0"/>
           </a:p>
         </p:txBody>
       </p:sp>
@@ -5537,6 +5694,30 @@
           </a:p>
         </p:txBody>
       </p:sp>
+      <p:sp>
+        <p:nvSpPr>
+          <p:cNvPr id="4" name="Pladsholder til diasnummer 3"/>
+          <p:cNvSpPr>
+            <a:spLocks noGrp="1"/>
+          </p:cNvSpPr>
+          <p:nvPr>
+            <p:ph type="sldNum" sz="quarter" idx="12"/>
+          </p:nvPr>
+        </p:nvSpPr>
+        <p:spPr/>
+        <p:txBody>
+          <a:bodyPr/>
+          <a:lstStyle/>
+          <a:p>
+            <a:fld id="{7D661DEA-B7EC-46AE-A3F9-A4DDF5226607}" type="slidenum">
+              <a:rPr lang="da-DK" smtClean="0"/>
+              <a:pPr/>
+              <a:t>6</a:t>
+            </a:fld>
+            <a:endParaRPr lang="da-DK" dirty="0"/>
+          </a:p>
+        </p:txBody>
+      </p:sp>
     </p:spTree>
   </p:cSld>
   <p:clrMapOvr>
@@ -5642,7 +5823,6 @@
               <a:rPr lang="en-US" dirty="0" smtClean="0"/>
               <a:t>selection</a:t>
             </a:r>
-            <a:endParaRPr lang="en-US" dirty="0" smtClean="0"/>
           </a:p>
           <a:p>
             <a:pPr lvl="1"/>
@@ -5658,6 +5838,30 @@
               <a:t>Choice of solution</a:t>
             </a:r>
             <a:endParaRPr lang="en-US" dirty="0"/>
+          </a:p>
+        </p:txBody>
+      </p:sp>
+      <p:sp>
+        <p:nvSpPr>
+          <p:cNvPr id="4" name="Pladsholder til diasnummer 3"/>
+          <p:cNvSpPr>
+            <a:spLocks noGrp="1"/>
+          </p:cNvSpPr>
+          <p:nvPr>
+            <p:ph type="sldNum" sz="quarter" idx="12"/>
+          </p:nvPr>
+        </p:nvSpPr>
+        <p:spPr/>
+        <p:txBody>
+          <a:bodyPr/>
+          <a:lstStyle/>
+          <a:p>
+            <a:fld id="{7D661DEA-B7EC-46AE-A3F9-A4DDF5226607}" type="slidenum">
+              <a:rPr lang="da-DK" smtClean="0"/>
+              <a:pPr/>
+              <a:t>7</a:t>
+            </a:fld>
+            <a:endParaRPr lang="da-DK" dirty="0"/>
           </a:p>
         </p:txBody>
       </p:sp>
@@ -5809,6 +6013,30 @@
           </a:p>
         </p:txBody>
       </p:sp>
+      <p:sp>
+        <p:nvSpPr>
+          <p:cNvPr id="4" name="Pladsholder til diasnummer 3"/>
+          <p:cNvSpPr>
+            <a:spLocks noGrp="1"/>
+          </p:cNvSpPr>
+          <p:nvPr>
+            <p:ph type="sldNum" sz="quarter" idx="12"/>
+          </p:nvPr>
+        </p:nvSpPr>
+        <p:spPr/>
+        <p:txBody>
+          <a:bodyPr/>
+          <a:lstStyle/>
+          <a:p>
+            <a:fld id="{7D661DEA-B7EC-46AE-A3F9-A4DDF5226607}" type="slidenum">
+              <a:rPr lang="da-DK" smtClean="0"/>
+              <a:pPr/>
+              <a:t>8</a:t>
+            </a:fld>
+            <a:endParaRPr lang="da-DK" dirty="0"/>
+          </a:p>
+        </p:txBody>
+      </p:sp>
     </p:spTree>
   </p:cSld>
   <p:clrMapOvr>
@@ -5898,6 +6126,30 @@
           </a:p>
           <a:p>
             <a:endParaRPr lang="en-US" dirty="0"/>
+          </a:p>
+        </p:txBody>
+      </p:sp>
+      <p:sp>
+        <p:nvSpPr>
+          <p:cNvPr id="4" name="Pladsholder til diasnummer 3"/>
+          <p:cNvSpPr>
+            <a:spLocks noGrp="1"/>
+          </p:cNvSpPr>
+          <p:nvPr>
+            <p:ph type="sldNum" sz="quarter" idx="12"/>
+          </p:nvPr>
+        </p:nvSpPr>
+        <p:spPr/>
+        <p:txBody>
+          <a:bodyPr/>
+          <a:lstStyle/>
+          <a:p>
+            <a:fld id="{7D661DEA-B7EC-46AE-A3F9-A4DDF5226607}" type="slidenum">
+              <a:rPr lang="da-DK" smtClean="0"/>
+              <a:pPr/>
+              <a:t>9</a:t>
+            </a:fld>
+            <a:endParaRPr lang="da-DK" dirty="0"/>
           </a:p>
         </p:txBody>
       </p:sp>

--- a/trunk/PP for status.pptx
+++ b/trunk/PP for status.pptx
@@ -374,7 +374,7 @@
     </p:spTree>
     <p:extLst>
       <p:ext uri="{BB962C8B-B14F-4D97-AF65-F5344CB8AC3E}">
-        <p14:creationId xmlns:p14="http://schemas.microsoft.com/office/powerpoint/2010/main" val="569669158"/>
+        <p14:creationId xmlns:p14="http://schemas.microsoft.com/office/powerpoint/2010/main" xmlns="" val="569669158"/>
       </p:ext>
     </p:extLst>
   </p:cSld>
@@ -1601,6 +1601,7 @@
           <a:p>
             <a:fld id="{08447D91-F3BF-4566-B747-6187C1E8517E}" type="datetime1">
               <a:rPr lang="da-DK" smtClean="0"/>
+              <a:pPr/>
               <a:t>02-04-2012</a:t>
             </a:fld>
             <a:endParaRPr lang="da-DK" dirty="0"/>
@@ -1767,6 +1768,7 @@
           <a:p>
             <a:fld id="{0F2F684F-49A2-4A02-855B-28BE0A2A2BCD}" type="datetime1">
               <a:rPr lang="da-DK" smtClean="0"/>
+              <a:pPr/>
               <a:t>02-04-2012</a:t>
             </a:fld>
             <a:endParaRPr lang="da-DK" dirty="0"/>
@@ -1943,6 +1945,7 @@
           <a:p>
             <a:fld id="{25A64542-3CDC-46E6-80DA-C09A434B19CC}" type="datetime1">
               <a:rPr lang="da-DK" smtClean="0"/>
+              <a:pPr/>
               <a:t>02-04-2012</a:t>
             </a:fld>
             <a:endParaRPr lang="da-DK" dirty="0"/>
@@ -2109,6 +2112,7 @@
           <a:p>
             <a:fld id="{2F8ECC64-248A-4E97-A4D9-EFC84D313B86}" type="datetime1">
               <a:rPr lang="da-DK" smtClean="0"/>
+              <a:pPr/>
               <a:t>02-04-2012</a:t>
             </a:fld>
             <a:endParaRPr lang="da-DK" dirty="0"/>
@@ -2351,6 +2355,7 @@
           <a:p>
             <a:fld id="{D66CBFDE-F8E7-4BDD-B777-49BF31F10D74}" type="datetime1">
               <a:rPr lang="da-DK" smtClean="0"/>
+              <a:pPr/>
               <a:t>02-04-2012</a:t>
             </a:fld>
             <a:endParaRPr lang="da-DK" dirty="0"/>
@@ -2635,6 +2640,7 @@
           <a:p>
             <a:fld id="{6E878692-4FCD-40EB-9065-A548F2D5214F}" type="datetime1">
               <a:rPr lang="da-DK" smtClean="0"/>
+              <a:pPr/>
               <a:t>02-04-2012</a:t>
             </a:fld>
             <a:endParaRPr lang="da-DK" dirty="0"/>
@@ -3053,6 +3059,7 @@
           <a:p>
             <a:fld id="{E85F7E87-0C3D-46CB-94AC-049F4B50D846}" type="datetime1">
               <a:rPr lang="da-DK" smtClean="0"/>
+              <a:pPr/>
               <a:t>02-04-2012</a:t>
             </a:fld>
             <a:endParaRPr lang="da-DK" dirty="0"/>
@@ -3167,6 +3174,7 @@
           <a:p>
             <a:fld id="{1AB75EDB-07A2-4B8A-8404-81B814B482F3}" type="datetime1">
               <a:rPr lang="da-DK" smtClean="0"/>
+              <a:pPr/>
               <a:t>02-04-2012</a:t>
             </a:fld>
             <a:endParaRPr lang="da-DK" dirty="0"/>
@@ -3258,6 +3266,7 @@
           <a:p>
             <a:fld id="{287D9A2F-BF45-4BF0-9253-2E441D15B57C}" type="datetime1">
               <a:rPr lang="da-DK" smtClean="0"/>
+              <a:pPr/>
               <a:t>02-04-2012</a:t>
             </a:fld>
             <a:endParaRPr lang="da-DK" dirty="0"/>
@@ -3531,6 +3540,7 @@
           <a:p>
             <a:fld id="{46D26196-8EDF-443C-8056-1AD9E209A253}" type="datetime1">
               <a:rPr lang="da-DK" smtClean="0"/>
+              <a:pPr/>
               <a:t>02-04-2012</a:t>
             </a:fld>
             <a:endParaRPr lang="da-DK" dirty="0"/>
@@ -3780,6 +3790,7 @@
           <a:p>
             <a:fld id="{A4DAB116-0CCA-4E9E-BC57-8433291494A3}" type="datetime1">
               <a:rPr lang="da-DK" smtClean="0"/>
+              <a:pPr/>
               <a:t>02-04-2012</a:t>
             </a:fld>
             <a:endParaRPr lang="da-DK" dirty="0"/>
@@ -3989,6 +4000,7 @@
           <a:p>
             <a:fld id="{82FBDEDA-8D63-444B-88AE-30ADA489460C}" type="datetime1">
               <a:rPr lang="da-DK" smtClean="0"/>
+              <a:pPr/>
               <a:t>02-04-2012</a:t>
             </a:fld>
             <a:endParaRPr lang="da-DK" dirty="0"/>
@@ -4445,23 +4457,7 @@
           <a:p>
             <a:r>
               <a:rPr lang="en-US" dirty="0" smtClean="0"/>
-              <a:t>Group 130: </a:t>
-            </a:r>
-            <a:r>
-              <a:rPr lang="en-US" smtClean="0"/>
-              <a:t>Christian O’Keeffe</a:t>
-            </a:r>
-            <a:r>
-              <a:rPr lang="en-US" dirty="0" smtClean="0"/>
-              <a:t>, Kasper </a:t>
-            </a:r>
-            <a:r>
-              <a:rPr lang="en-US" dirty="0" err="1" smtClean="0"/>
-              <a:t>Plejdrup</a:t>
-            </a:r>
-            <a:r>
-              <a:rPr lang="en-US" dirty="0" smtClean="0"/>
-              <a:t>, Dag Pedersen, </a:t>
+              <a:t>Group 130: Christian O’Keeffe, Kasper Plejdrup, Dag Pedersen, </a:t>
             </a:r>
             <a:r>
               <a:rPr lang="en-US" dirty="0" err="1" smtClean="0"/>
@@ -4473,7 +4469,7 @@
             </a:r>
             <a:r>
               <a:rPr lang="en-US" dirty="0" err="1" smtClean="0"/>
-              <a:t>Brømdum</a:t>
+              <a:t>Brøndum</a:t>
             </a:r>
             <a:r>
               <a:rPr lang="en-US" dirty="0" smtClean="0"/>
@@ -5045,7 +5041,11 @@
           <a:p>
             <a:r>
               <a:rPr lang="en-US" dirty="0" smtClean="0"/>
-              <a:t>Problem analyses</a:t>
+              <a:t>Problem </a:t>
+            </a:r>
+            <a:r>
+              <a:rPr lang="en-US" dirty="0" smtClean="0"/>
+              <a:t>analysis</a:t>
             </a:r>
             <a:endParaRPr lang="en-US" dirty="0"/>
           </a:p>
@@ -5181,7 +5181,11 @@
           <a:p>
             <a:r>
               <a:rPr lang="da-DK" dirty="0" smtClean="0"/>
-              <a:t>Problem analyses</a:t>
+              <a:t>Problem </a:t>
+            </a:r>
+            <a:r>
+              <a:rPr lang="da-DK" dirty="0" err="1" smtClean="0"/>
+              <a:t>analysis</a:t>
             </a:r>
             <a:endParaRPr lang="da-DK" dirty="0"/>
           </a:p>
